--- a/salesvg.pptx
+++ b/salesvg.pptx
@@ -4,10 +4,19 @@
   <p:sldMasterIdLst>
     <p:sldMasterId id="2147483699" r:id="rId1"/>
   </p:sldMasterIdLst>
+  <p:notesMasterIdLst>
+    <p:notesMasterId r:id="rId11"/>
+  </p:notesMasterIdLst>
   <p:sldIdLst>
     <p:sldId id="256" r:id="rId2"/>
     <p:sldId id="257" r:id="rId3"/>
-    <p:sldId id="258" r:id="rId4"/>
+    <p:sldId id="263" r:id="rId4"/>
+    <p:sldId id="258" r:id="rId5"/>
+    <p:sldId id="259" r:id="rId6"/>
+    <p:sldId id="261" r:id="rId7"/>
+    <p:sldId id="260" r:id="rId8"/>
+    <p:sldId id="264" r:id="rId9"/>
+    <p:sldId id="262" r:id="rId10"/>
   </p:sldIdLst>
   <p:sldSz cx="12192000" cy="6858000"/>
   <p:notesSz cx="6858000" cy="9144000"/>
@@ -106,7 +115,529 @@
       </a:defRPr>
     </a:lvl9pPr>
   </p:defaultTextStyle>
+  <p:extLst>
+    <p:ext uri="{EFAFB233-063F-42B5-8137-9DF3F51BA10A}">
+      <p15:sldGuideLst xmlns:p15="http://schemas.microsoft.com/office/powerpoint/2012/main"/>
+    </p:ext>
+  </p:extLst>
 </p:presentation>
+</file>
+
+<file path=ppt/notesMasters/notesMaster1.xml><?xml version="1.0" encoding="utf-8"?>
+<p:notesMaster xmlns:a="http://schemas.openxmlformats.org/drawingml/2006/main" xmlns:r="http://schemas.openxmlformats.org/officeDocument/2006/relationships" xmlns:p="http://schemas.openxmlformats.org/presentationml/2006/main">
+  <p:cSld>
+    <p:bg>
+      <p:bgRef idx="1001">
+        <a:schemeClr val="bg1"/>
+      </p:bgRef>
+    </p:bg>
+    <p:spTree>
+      <p:nvGrpSpPr>
+        <p:cNvPr id="1" name=""/>
+        <p:cNvGrpSpPr/>
+        <p:nvPr/>
+      </p:nvGrpSpPr>
+      <p:grpSpPr>
+        <a:xfrm>
+          <a:off x="0" y="0"/>
+          <a:ext cx="0" cy="0"/>
+          <a:chOff x="0" y="0"/>
+          <a:chExt cx="0" cy="0"/>
+        </a:xfrm>
+      </p:grpSpPr>
+      <p:sp>
+        <p:nvSpPr>
+          <p:cNvPr id="2" name="Espace réservé de l'en-tête 1"/>
+          <p:cNvSpPr>
+            <a:spLocks noGrp="1"/>
+          </p:cNvSpPr>
+          <p:nvPr>
+            <p:ph type="hdr" sz="quarter"/>
+          </p:nvPr>
+        </p:nvSpPr>
+        <p:spPr>
+          <a:xfrm>
+            <a:off x="0" y="0"/>
+            <a:ext cx="2971800" cy="458788"/>
+          </a:xfrm>
+          <a:prstGeom prst="rect">
+            <a:avLst/>
+          </a:prstGeom>
+        </p:spPr>
+        <p:txBody>
+          <a:bodyPr vert="horz" lIns="91440" tIns="45720" rIns="91440" bIns="45720" rtlCol="0"/>
+          <a:lstStyle>
+            <a:lvl1pPr algn="l">
+              <a:defRPr sz="1200"/>
+            </a:lvl1pPr>
+          </a:lstStyle>
+          <a:p>
+            <a:endParaRPr lang="fr-FR"/>
+          </a:p>
+        </p:txBody>
+      </p:sp>
+      <p:sp>
+        <p:nvSpPr>
+          <p:cNvPr id="3" name="Espace réservé de la date 2"/>
+          <p:cNvSpPr>
+            <a:spLocks noGrp="1"/>
+          </p:cNvSpPr>
+          <p:nvPr>
+            <p:ph type="dt" idx="1"/>
+          </p:nvPr>
+        </p:nvSpPr>
+        <p:spPr>
+          <a:xfrm>
+            <a:off x="3884613" y="0"/>
+            <a:ext cx="2971800" cy="458788"/>
+          </a:xfrm>
+          <a:prstGeom prst="rect">
+            <a:avLst/>
+          </a:prstGeom>
+        </p:spPr>
+        <p:txBody>
+          <a:bodyPr vert="horz" lIns="91440" tIns="45720" rIns="91440" bIns="45720" rtlCol="0"/>
+          <a:lstStyle>
+            <a:lvl1pPr algn="r">
+              <a:defRPr sz="1200"/>
+            </a:lvl1pPr>
+          </a:lstStyle>
+          <a:p>
+            <a:fld id="{D5731BDD-743F-4D41-BB5A-7788F23C3ECF}" type="datetimeFigureOut">
+              <a:rPr lang="fr-FR" smtClean="0"/>
+              <a:t>20/10/2021</a:t>
+            </a:fld>
+            <a:endParaRPr lang="fr-FR"/>
+          </a:p>
+        </p:txBody>
+      </p:sp>
+      <p:sp>
+        <p:nvSpPr>
+          <p:cNvPr id="4" name="Espace réservé de l'image des diapositives 3"/>
+          <p:cNvSpPr>
+            <a:spLocks noGrp="1" noRot="1" noChangeAspect="1"/>
+          </p:cNvSpPr>
+          <p:nvPr>
+            <p:ph type="sldImg" idx="2"/>
+          </p:nvPr>
+        </p:nvSpPr>
+        <p:spPr>
+          <a:xfrm>
+            <a:off x="685800" y="1143000"/>
+            <a:ext cx="5486400" cy="3086100"/>
+          </a:xfrm>
+          <a:prstGeom prst="rect">
+            <a:avLst/>
+          </a:prstGeom>
+          <a:noFill/>
+          <a:ln w="12700">
+            <a:solidFill>
+              <a:prstClr val="black"/>
+            </a:solidFill>
+          </a:ln>
+        </p:spPr>
+        <p:txBody>
+          <a:bodyPr vert="horz" lIns="91440" tIns="45720" rIns="91440" bIns="45720" rtlCol="0" anchor="ctr"/>
+          <a:lstStyle/>
+          <a:p>
+            <a:endParaRPr lang="fr-FR"/>
+          </a:p>
+        </p:txBody>
+      </p:sp>
+      <p:sp>
+        <p:nvSpPr>
+          <p:cNvPr id="5" name="Espace réservé des notes 4"/>
+          <p:cNvSpPr>
+            <a:spLocks noGrp="1"/>
+          </p:cNvSpPr>
+          <p:nvPr>
+            <p:ph type="body" sz="quarter" idx="3"/>
+          </p:nvPr>
+        </p:nvSpPr>
+        <p:spPr>
+          <a:xfrm>
+            <a:off x="685800" y="4400550"/>
+            <a:ext cx="5486400" cy="3600450"/>
+          </a:xfrm>
+          <a:prstGeom prst="rect">
+            <a:avLst/>
+          </a:prstGeom>
+        </p:spPr>
+        <p:txBody>
+          <a:bodyPr vert="horz" lIns="91440" tIns="45720" rIns="91440" bIns="45720" rtlCol="0"/>
+          <a:lstStyle/>
+          <a:p>
+            <a:pPr lvl="0"/>
+            <a:r>
+              <a:rPr lang="fr-FR"/>
+              <a:t>Cliquez pour modifier les styles du texte du masque</a:t>
+            </a:r>
+          </a:p>
+          <a:p>
+            <a:pPr lvl="1"/>
+            <a:r>
+              <a:rPr lang="fr-FR"/>
+              <a:t>Deuxième niveau</a:t>
+            </a:r>
+          </a:p>
+          <a:p>
+            <a:pPr lvl="2"/>
+            <a:r>
+              <a:rPr lang="fr-FR"/>
+              <a:t>Troisième niveau</a:t>
+            </a:r>
+          </a:p>
+          <a:p>
+            <a:pPr lvl="3"/>
+            <a:r>
+              <a:rPr lang="fr-FR"/>
+              <a:t>Quatrième niveau</a:t>
+            </a:r>
+          </a:p>
+          <a:p>
+            <a:pPr lvl="4"/>
+            <a:r>
+              <a:rPr lang="fr-FR"/>
+              <a:t>Cinquième niveau</a:t>
+            </a:r>
+          </a:p>
+        </p:txBody>
+      </p:sp>
+      <p:sp>
+        <p:nvSpPr>
+          <p:cNvPr id="6" name="Espace réservé du pied de page 5"/>
+          <p:cNvSpPr>
+            <a:spLocks noGrp="1"/>
+          </p:cNvSpPr>
+          <p:nvPr>
+            <p:ph type="ftr" sz="quarter" idx="4"/>
+          </p:nvPr>
+        </p:nvSpPr>
+        <p:spPr>
+          <a:xfrm>
+            <a:off x="0" y="8685213"/>
+            <a:ext cx="2971800" cy="458787"/>
+          </a:xfrm>
+          <a:prstGeom prst="rect">
+            <a:avLst/>
+          </a:prstGeom>
+        </p:spPr>
+        <p:txBody>
+          <a:bodyPr vert="horz" lIns="91440" tIns="45720" rIns="91440" bIns="45720" rtlCol="0" anchor="b"/>
+          <a:lstStyle>
+            <a:lvl1pPr algn="l">
+              <a:defRPr sz="1200"/>
+            </a:lvl1pPr>
+          </a:lstStyle>
+          <a:p>
+            <a:endParaRPr lang="fr-FR"/>
+          </a:p>
+        </p:txBody>
+      </p:sp>
+      <p:sp>
+        <p:nvSpPr>
+          <p:cNvPr id="7" name="Espace réservé du numéro de diapositive 6"/>
+          <p:cNvSpPr>
+            <a:spLocks noGrp="1"/>
+          </p:cNvSpPr>
+          <p:nvPr>
+            <p:ph type="sldNum" sz="quarter" idx="5"/>
+          </p:nvPr>
+        </p:nvSpPr>
+        <p:spPr>
+          <a:xfrm>
+            <a:off x="3884613" y="8685213"/>
+            <a:ext cx="2971800" cy="458787"/>
+          </a:xfrm>
+          <a:prstGeom prst="rect">
+            <a:avLst/>
+          </a:prstGeom>
+        </p:spPr>
+        <p:txBody>
+          <a:bodyPr vert="horz" lIns="91440" tIns="45720" rIns="91440" bIns="45720" rtlCol="0" anchor="b"/>
+          <a:lstStyle>
+            <a:lvl1pPr algn="r">
+              <a:defRPr sz="1200"/>
+            </a:lvl1pPr>
+          </a:lstStyle>
+          <a:p>
+            <a:fld id="{6F3575B1-65AB-4801-BFFA-FA82BC280FE6}" type="slidenum">
+              <a:rPr lang="fr-FR" smtClean="0"/>
+              <a:t>‹N°›</a:t>
+            </a:fld>
+            <a:endParaRPr lang="fr-FR"/>
+          </a:p>
+        </p:txBody>
+      </p:sp>
+    </p:spTree>
+    <p:extLst>
+      <p:ext uri="{BB962C8B-B14F-4D97-AF65-F5344CB8AC3E}">
+        <p14:creationId xmlns:p14="http://schemas.microsoft.com/office/powerpoint/2010/main" val="2622045698"/>
+      </p:ext>
+    </p:extLst>
+  </p:cSld>
+  <p:clrMap bg1="lt1" tx1="dk1" bg2="lt2" tx2="dk2" accent1="accent1" accent2="accent2" accent3="accent3" accent4="accent4" accent5="accent5" accent6="accent6" hlink="hlink" folHlink="folHlink"/>
+  <p:notesStyle>
+    <a:lvl1pPr marL="0" algn="l" defTabSz="914400" rtl="0" eaLnBrk="1" latinLnBrk="0" hangingPunct="1">
+      <a:defRPr sz="1200" kern="1200">
+        <a:solidFill>
+          <a:schemeClr val="tx1"/>
+        </a:solidFill>
+        <a:latin typeface="+mn-lt"/>
+        <a:ea typeface="+mn-ea"/>
+        <a:cs typeface="+mn-cs"/>
+      </a:defRPr>
+    </a:lvl1pPr>
+    <a:lvl2pPr marL="457200" algn="l" defTabSz="914400" rtl="0" eaLnBrk="1" latinLnBrk="0" hangingPunct="1">
+      <a:defRPr sz="1200" kern="1200">
+        <a:solidFill>
+          <a:schemeClr val="tx1"/>
+        </a:solidFill>
+        <a:latin typeface="+mn-lt"/>
+        <a:ea typeface="+mn-ea"/>
+        <a:cs typeface="+mn-cs"/>
+      </a:defRPr>
+    </a:lvl2pPr>
+    <a:lvl3pPr marL="914400" algn="l" defTabSz="914400" rtl="0" eaLnBrk="1" latinLnBrk="0" hangingPunct="1">
+      <a:defRPr sz="1200" kern="1200">
+        <a:solidFill>
+          <a:schemeClr val="tx1"/>
+        </a:solidFill>
+        <a:latin typeface="+mn-lt"/>
+        <a:ea typeface="+mn-ea"/>
+        <a:cs typeface="+mn-cs"/>
+      </a:defRPr>
+    </a:lvl3pPr>
+    <a:lvl4pPr marL="1371600" algn="l" defTabSz="914400" rtl="0" eaLnBrk="1" latinLnBrk="0" hangingPunct="1">
+      <a:defRPr sz="1200" kern="1200">
+        <a:solidFill>
+          <a:schemeClr val="tx1"/>
+        </a:solidFill>
+        <a:latin typeface="+mn-lt"/>
+        <a:ea typeface="+mn-ea"/>
+        <a:cs typeface="+mn-cs"/>
+      </a:defRPr>
+    </a:lvl4pPr>
+    <a:lvl5pPr marL="1828800" algn="l" defTabSz="914400" rtl="0" eaLnBrk="1" latinLnBrk="0" hangingPunct="1">
+      <a:defRPr sz="1200" kern="1200">
+        <a:solidFill>
+          <a:schemeClr val="tx1"/>
+        </a:solidFill>
+        <a:latin typeface="+mn-lt"/>
+        <a:ea typeface="+mn-ea"/>
+        <a:cs typeface="+mn-cs"/>
+      </a:defRPr>
+    </a:lvl5pPr>
+    <a:lvl6pPr marL="2286000" algn="l" defTabSz="914400" rtl="0" eaLnBrk="1" latinLnBrk="0" hangingPunct="1">
+      <a:defRPr sz="1200" kern="1200">
+        <a:solidFill>
+          <a:schemeClr val="tx1"/>
+        </a:solidFill>
+        <a:latin typeface="+mn-lt"/>
+        <a:ea typeface="+mn-ea"/>
+        <a:cs typeface="+mn-cs"/>
+      </a:defRPr>
+    </a:lvl6pPr>
+    <a:lvl7pPr marL="2743200" algn="l" defTabSz="914400" rtl="0" eaLnBrk="1" latinLnBrk="0" hangingPunct="1">
+      <a:defRPr sz="1200" kern="1200">
+        <a:solidFill>
+          <a:schemeClr val="tx1"/>
+        </a:solidFill>
+        <a:latin typeface="+mn-lt"/>
+        <a:ea typeface="+mn-ea"/>
+        <a:cs typeface="+mn-cs"/>
+      </a:defRPr>
+    </a:lvl7pPr>
+    <a:lvl8pPr marL="3200400" algn="l" defTabSz="914400" rtl="0" eaLnBrk="1" latinLnBrk="0" hangingPunct="1">
+      <a:defRPr sz="1200" kern="1200">
+        <a:solidFill>
+          <a:schemeClr val="tx1"/>
+        </a:solidFill>
+        <a:latin typeface="+mn-lt"/>
+        <a:ea typeface="+mn-ea"/>
+        <a:cs typeface="+mn-cs"/>
+      </a:defRPr>
+    </a:lvl8pPr>
+    <a:lvl9pPr marL="3657600" algn="l" defTabSz="914400" rtl="0" eaLnBrk="1" latinLnBrk="0" hangingPunct="1">
+      <a:defRPr sz="1200" kern="1200">
+        <a:solidFill>
+          <a:schemeClr val="tx1"/>
+        </a:solidFill>
+        <a:latin typeface="+mn-lt"/>
+        <a:ea typeface="+mn-ea"/>
+        <a:cs typeface="+mn-cs"/>
+      </a:defRPr>
+    </a:lvl9pPr>
+  </p:notesStyle>
+</p:notesMaster>
+</file>
+
+<file path=ppt/notesSlides/notesSlide1.xml><?xml version="1.0" encoding="utf-8"?>
+<p:notes xmlns:a="http://schemas.openxmlformats.org/drawingml/2006/main" xmlns:r="http://schemas.openxmlformats.org/officeDocument/2006/relationships" xmlns:p="http://schemas.openxmlformats.org/presentationml/2006/main">
+  <p:cSld>
+    <p:spTree>
+      <p:nvGrpSpPr>
+        <p:cNvPr id="1" name=""/>
+        <p:cNvGrpSpPr/>
+        <p:nvPr/>
+      </p:nvGrpSpPr>
+      <p:grpSpPr>
+        <a:xfrm>
+          <a:off x="0" y="0"/>
+          <a:ext cx="0" cy="0"/>
+          <a:chOff x="0" y="0"/>
+          <a:chExt cx="0" cy="0"/>
+        </a:xfrm>
+      </p:grpSpPr>
+      <p:sp>
+        <p:nvSpPr>
+          <p:cNvPr id="2" name="Espace réservé de l'image des diapositives 1"/>
+          <p:cNvSpPr>
+            <a:spLocks noGrp="1" noRot="1" noChangeAspect="1"/>
+          </p:cNvSpPr>
+          <p:nvPr>
+            <p:ph type="sldImg"/>
+          </p:nvPr>
+        </p:nvSpPr>
+        <p:spPr/>
+      </p:sp>
+      <p:sp>
+        <p:nvSpPr>
+          <p:cNvPr id="3" name="Espace réservé des notes 2"/>
+          <p:cNvSpPr>
+            <a:spLocks noGrp="1"/>
+          </p:cNvSpPr>
+          <p:nvPr>
+            <p:ph type="body" idx="1"/>
+          </p:nvPr>
+        </p:nvSpPr>
+        <p:spPr/>
+        <p:txBody>
+          <a:bodyPr/>
+          <a:lstStyle/>
+          <a:p>
+            <a:endParaRPr lang="fr-FR" dirty="0"/>
+          </a:p>
+        </p:txBody>
+      </p:sp>
+      <p:sp>
+        <p:nvSpPr>
+          <p:cNvPr id="4" name="Espace réservé du numéro de diapositive 3"/>
+          <p:cNvSpPr>
+            <a:spLocks noGrp="1"/>
+          </p:cNvSpPr>
+          <p:nvPr>
+            <p:ph type="sldNum" sz="quarter" idx="5"/>
+          </p:nvPr>
+        </p:nvSpPr>
+        <p:spPr/>
+        <p:txBody>
+          <a:bodyPr/>
+          <a:lstStyle/>
+          <a:p>
+            <a:fld id="{6F3575B1-65AB-4801-BFFA-FA82BC280FE6}" type="slidenum">
+              <a:rPr lang="fr-FR" smtClean="0"/>
+              <a:t>2</a:t>
+            </a:fld>
+            <a:endParaRPr lang="fr-FR"/>
+          </a:p>
+        </p:txBody>
+      </p:sp>
+    </p:spTree>
+    <p:extLst>
+      <p:ext uri="{BB962C8B-B14F-4D97-AF65-F5344CB8AC3E}">
+        <p14:creationId xmlns:p14="http://schemas.microsoft.com/office/powerpoint/2010/main" val="1594333661"/>
+      </p:ext>
+    </p:extLst>
+  </p:cSld>
+  <p:clrMapOvr>
+    <a:masterClrMapping/>
+  </p:clrMapOvr>
+</p:notes>
+</file>
+
+<file path=ppt/notesSlides/notesSlide2.xml><?xml version="1.0" encoding="utf-8"?>
+<p:notes xmlns:a="http://schemas.openxmlformats.org/drawingml/2006/main" xmlns:r="http://schemas.openxmlformats.org/officeDocument/2006/relationships" xmlns:p="http://schemas.openxmlformats.org/presentationml/2006/main">
+  <p:cSld>
+    <p:spTree>
+      <p:nvGrpSpPr>
+        <p:cNvPr id="1" name=""/>
+        <p:cNvGrpSpPr/>
+        <p:nvPr/>
+      </p:nvGrpSpPr>
+      <p:grpSpPr>
+        <a:xfrm>
+          <a:off x="0" y="0"/>
+          <a:ext cx="0" cy="0"/>
+          <a:chOff x="0" y="0"/>
+          <a:chExt cx="0" cy="0"/>
+        </a:xfrm>
+      </p:grpSpPr>
+      <p:sp>
+        <p:nvSpPr>
+          <p:cNvPr id="2" name="Espace réservé de l'image des diapositives 1"/>
+          <p:cNvSpPr>
+            <a:spLocks noGrp="1" noRot="1" noChangeAspect="1"/>
+          </p:cNvSpPr>
+          <p:nvPr>
+            <p:ph type="sldImg"/>
+          </p:nvPr>
+        </p:nvSpPr>
+        <p:spPr/>
+      </p:sp>
+      <p:sp>
+        <p:nvSpPr>
+          <p:cNvPr id="3" name="Espace réservé des notes 2"/>
+          <p:cNvSpPr>
+            <a:spLocks noGrp="1"/>
+          </p:cNvSpPr>
+          <p:nvPr>
+            <p:ph type="body" idx="1"/>
+          </p:nvPr>
+        </p:nvSpPr>
+        <p:spPr/>
+        <p:txBody>
+          <a:bodyPr/>
+          <a:lstStyle/>
+          <a:p>
+            <a:endParaRPr lang="fr-FR" dirty="0"/>
+          </a:p>
+        </p:txBody>
+      </p:sp>
+      <p:sp>
+        <p:nvSpPr>
+          <p:cNvPr id="4" name="Espace réservé du numéro de diapositive 3"/>
+          <p:cNvSpPr>
+            <a:spLocks noGrp="1"/>
+          </p:cNvSpPr>
+          <p:nvPr>
+            <p:ph type="sldNum" sz="quarter" idx="5"/>
+          </p:nvPr>
+        </p:nvSpPr>
+        <p:spPr/>
+        <p:txBody>
+          <a:bodyPr/>
+          <a:lstStyle/>
+          <a:p>
+            <a:fld id="{6F3575B1-65AB-4801-BFFA-FA82BC280FE6}" type="slidenum">
+              <a:rPr lang="fr-FR" smtClean="0"/>
+              <a:t>3</a:t>
+            </a:fld>
+            <a:endParaRPr lang="fr-FR"/>
+          </a:p>
+        </p:txBody>
+      </p:sp>
+    </p:spTree>
+    <p:extLst>
+      <p:ext uri="{BB962C8B-B14F-4D97-AF65-F5344CB8AC3E}">
+        <p14:creationId xmlns:p14="http://schemas.microsoft.com/office/powerpoint/2010/main" val="4202922271"/>
+      </p:ext>
+    </p:extLst>
+  </p:cSld>
+  <p:clrMapOvr>
+    <a:masterClrMapping/>
+  </p:clrMapOvr>
+</p:notes>
 </file>
 
 <file path=ppt/slideLayouts/slideLayout1.xml><?xml version="1.0" encoding="utf-8"?>
@@ -272,7 +803,7 @@
             <a:fld id="{11A6662E-FAF4-44BC-88B5-85A7CBFB6D30}" type="datetime1">
               <a:rPr lang="en-US" smtClean="0"/>
               <a:pPr/>
-              <a:t>10/19/2021</a:t>
+              <a:t>10/20/2021</a:t>
             </a:fld>
             <a:endParaRPr lang="en-US" dirty="0"/>
           </a:p>
@@ -499,7 +1030,7 @@
           <a:p>
             <a:fld id="{4C559632-1575-4E14-B53B-3DC3D5ED3947}" type="datetime1">
               <a:rPr lang="en-US" smtClean="0"/>
-              <a:t>10/19/2021</a:t>
+              <a:t>10/20/2021</a:t>
             </a:fld>
             <a:endParaRPr lang="en-US"/>
           </a:p>
@@ -707,7 +1238,7 @@
           <a:p>
             <a:fld id="{CC4A6868-2568-4CC9-B302-F37117B01A6E}" type="datetime1">
               <a:rPr lang="en-US" smtClean="0"/>
-              <a:t>10/19/2021</a:t>
+              <a:t>10/20/2021</a:t>
             </a:fld>
             <a:endParaRPr lang="en-US"/>
           </a:p>
@@ -912,7 +1443,7 @@
           <a:p>
             <a:fld id="{0055F08A-1E71-4B2B-BB49-E743F2903911}" type="datetime1">
               <a:rPr lang="en-US" smtClean="0"/>
-              <a:t>10/19/2021</a:t>
+              <a:t>10/20/2021</a:t>
             </a:fld>
             <a:endParaRPr lang="en-US" dirty="0"/>
           </a:p>
@@ -1186,7 +1717,7 @@
           <a:p>
             <a:fld id="{15417D9E-721A-44BB-8863-9873FE64DA75}" type="datetime1">
               <a:rPr lang="en-US" smtClean="0"/>
-              <a:t>10/19/2021</a:t>
+              <a:t>10/20/2021</a:t>
             </a:fld>
             <a:endParaRPr lang="en-US"/>
           </a:p>
@@ -1459,7 +1990,7 @@
           <a:p>
             <a:fld id="{5F31DA2F-80B8-49CF-99FB-5ABCA53A607A}" type="datetime1">
               <a:rPr lang="en-US" smtClean="0"/>
-              <a:t>10/19/2021</a:t>
+              <a:t>10/20/2021</a:t>
             </a:fld>
             <a:endParaRPr lang="en-US"/>
           </a:p>
@@ -1874,7 +2405,7 @@
           <a:p>
             <a:fld id="{28852172-E6C9-4B6C-929A-A9DE3837BBF1}" type="datetime1">
               <a:rPr lang="en-US" smtClean="0"/>
-              <a:t>10/19/2021</a:t>
+              <a:t>10/20/2021</a:t>
             </a:fld>
             <a:endParaRPr lang="en-US"/>
           </a:p>
@@ -2026,7 +2557,7 @@
           <a:p>
             <a:fld id="{3AB41CFF-90C9-47B3-9DA1-F2BF8D839F7E}" type="datetime1">
               <a:rPr lang="en-US" smtClean="0"/>
-              <a:t>10/19/2021</a:t>
+              <a:t>10/20/2021</a:t>
             </a:fld>
             <a:endParaRPr lang="en-US"/>
           </a:p>
@@ -2139,7 +2670,7 @@
           <a:p>
             <a:fld id="{F06048FA-06AB-4884-A69B-986B96E68A24}" type="datetime1">
               <a:rPr lang="en-US" smtClean="0"/>
-              <a:t>10/19/2021</a:t>
+              <a:t>10/20/2021</a:t>
             </a:fld>
             <a:endParaRPr lang="en-US"/>
           </a:p>
@@ -2450,7 +2981,7 @@
           <a:p>
             <a:fld id="{50DB7ABA-0172-4F9C-889D-567164F66BCD}" type="datetime1">
               <a:rPr lang="en-US" smtClean="0"/>
-              <a:t>10/19/2021</a:t>
+              <a:t>10/20/2021</a:t>
             </a:fld>
             <a:endParaRPr lang="en-US"/>
           </a:p>
@@ -2741,7 +3272,7 @@
           <a:p>
             <a:fld id="{78AC6A5B-8AE7-4A41-B5A7-9ADC6686DC18}" type="datetime1">
               <a:rPr lang="en-US" smtClean="0"/>
-              <a:t>10/19/2021</a:t>
+              <a:t>10/20/2021</a:t>
             </a:fld>
             <a:endParaRPr lang="en-US"/>
           </a:p>
@@ -3050,7 +3581,7 @@
             <a:fld id="{57E0CF6C-748E-4B7A-BC8B-3011EF78ED13}" type="datetime1">
               <a:rPr lang="en-US" smtClean="0"/>
               <a:pPr/>
-              <a:t>10/19/2021</a:t>
+              <a:t>10/20/2021</a:t>
             </a:fld>
             <a:endParaRPr lang="en-US" dirty="0"/>
           </a:p>
@@ -4126,7 +4657,7 @@
           <p:nvPr/>
         </p:nvPicPr>
         <p:blipFill rotWithShape="1">
-          <a:blip r:embed="rId2">
+          <a:blip r:embed="rId3">
             <a:alphaModFix amt="60000"/>
           </a:blip>
           <a:srcRect t="14285" b="2706"/>
@@ -4224,55 +4755,7 @@
                   <a:srgbClr val="FFFFFF"/>
                 </a:solidFill>
               </a:rPr>
-              <a:t>Cette présentation a pour but de répondre à une problématique donnée en utilisant le </a:t>
-            </a:r>
-            <a:r>
-              <a:rPr lang="fr-FR" sz="2400" dirty="0" err="1">
-                <a:solidFill>
-                  <a:srgbClr val="FFFFFF"/>
-                </a:solidFill>
-              </a:rPr>
-              <a:t>dataset</a:t>
-            </a:r>
-            <a:r>
-              <a:rPr lang="fr-FR" sz="2400" dirty="0">
-                <a:solidFill>
-                  <a:srgbClr val="FFFFFF"/>
-                </a:solidFill>
-              </a:rPr>
-              <a:t> </a:t>
-            </a:r>
-            <a:r>
-              <a:rPr lang="fr-FR" sz="2400" dirty="0" err="1">
-                <a:solidFill>
-                  <a:srgbClr val="FFFFFF"/>
-                </a:solidFill>
-              </a:rPr>
-              <a:t>vgsales</a:t>
-            </a:r>
-            <a:r>
-              <a:rPr lang="fr-FR" sz="2400" dirty="0">
-                <a:solidFill>
-                  <a:srgbClr val="FFFFFF"/>
-                </a:solidFill>
-              </a:rPr>
-              <a:t> qui est un </a:t>
-            </a:r>
-            <a:r>
-              <a:rPr lang="fr-FR" sz="2400" dirty="0" err="1">
-                <a:solidFill>
-                  <a:srgbClr val="FFFFFF"/>
-                </a:solidFill>
-              </a:rPr>
-              <a:t>dataset</a:t>
-            </a:r>
-            <a:r>
-              <a:rPr lang="fr-FR" sz="2400" dirty="0">
-                <a:solidFill>
-                  <a:srgbClr val="FFFFFF"/>
-                </a:solidFill>
-              </a:rPr>
-              <a:t> présentant les ventes de jeu vidéo dans le monde.</a:t>
+              <a:t>Cette présentation a pour but de répondre à une problématique donnée en utilisant le dataset « vgsales.csv » qui est un dataset présentant les ventes de jeu vidéo dans le monde de 1980 à 2017 avec 31 consoles différentes et des milliers de jeux.  </a:t>
             </a:r>
           </a:p>
           <a:p>
@@ -4291,7 +4774,7 @@
                   <a:srgbClr val="FFFFFF"/>
                 </a:solidFill>
               </a:rPr>
-              <a:t>Cette problématique est : Je suis une nouvelle entreprise de jeu vidéo, quel plateforme et genre je dois cibler pour mon prochain jeu ? Et dans quel pays je pourrais espérer vendre le plus de jeu?</a:t>
+              <a:t>La problématique est : Je suis une nouvelle entreprise de jeu vidéo, quel plateforme et genre je dois cibler pour mon prochain jeu ? Et dans quel pays je pourrais espérer vendre le plus de jeu?</a:t>
             </a:r>
           </a:p>
         </p:txBody>
@@ -4691,7 +5174,7 @@
           <p:nvPr/>
         </p:nvPicPr>
         <p:blipFill rotWithShape="1">
-          <a:blip r:embed="rId2">
+          <a:blip r:embed="rId3">
             <a:alphaModFix amt="60000"/>
           </a:blip>
           <a:srcRect t="14285" b="2706"/>
@@ -4736,6 +5219,36 @@
           <a:lstStyle/>
           <a:p>
             <a:pPr algn="l"/>
+            <a:r>
+              <a:rPr lang="fr-FR" sz="5200" b="1" dirty="0">
+                <a:solidFill>
+                  <a:srgbClr val="FFFFFF"/>
+                </a:solidFill>
+                <a:effectLst>
+                  <a:outerShdw blurRad="38100" dist="38100" dir="2700000" algn="tl">
+                    <a:srgbClr val="000000">
+                      <a:alpha val="43137"/>
+                    </a:srgbClr>
+                  </a:outerShdw>
+                </a:effectLst>
+              </a:rPr>
+              <a:t>Présentation du </a:t>
+            </a:r>
+            <a:r>
+              <a:rPr lang="fr-FR" sz="5200" b="1" dirty="0" err="1">
+                <a:solidFill>
+                  <a:srgbClr val="FFFFFF"/>
+                </a:solidFill>
+                <a:effectLst>
+                  <a:outerShdw blurRad="38100" dist="38100" dir="2700000" algn="tl">
+                    <a:srgbClr val="000000">
+                      <a:alpha val="43137"/>
+                    </a:srgbClr>
+                  </a:outerShdw>
+                </a:effectLst>
+              </a:rPr>
+              <a:t>dataset</a:t>
+            </a:r>
             <a:endParaRPr lang="fr-FR" sz="5200" b="1" dirty="0">
               <a:solidFill>
                 <a:srgbClr val="FFFFFF"/>
@@ -4751,6 +5264,336 @@
           </a:p>
         </p:txBody>
       </p:sp>
+      <p:pic>
+        <p:nvPicPr>
+          <p:cNvPr id="8" name="Image 7">
+            <a:extLst>
+              <a:ext uri="{FF2B5EF4-FFF2-40B4-BE49-F238E27FC236}">
+                <a16:creationId xmlns:a16="http://schemas.microsoft.com/office/drawing/2014/main" id="{6982DA69-195D-450D-A7B7-701556C6EA54}"/>
+              </a:ext>
+            </a:extLst>
+          </p:cNvPr>
+          <p:cNvPicPr>
+            <a:picLocks noChangeAspect="1"/>
+          </p:cNvPicPr>
+          <p:nvPr/>
+        </p:nvPicPr>
+        <p:blipFill>
+          <a:blip r:embed="rId4"/>
+          <a:stretch>
+            <a:fillRect/>
+          </a:stretch>
+        </p:blipFill>
+        <p:spPr>
+          <a:xfrm>
+            <a:off x="122813" y="2360235"/>
+            <a:ext cx="11940257" cy="3931190"/>
+          </a:xfrm>
+          <a:prstGeom prst="rect">
+            <a:avLst/>
+          </a:prstGeom>
+        </p:spPr>
+      </p:pic>
+    </p:spTree>
+    <p:extLst>
+      <p:ext uri="{BB962C8B-B14F-4D97-AF65-F5344CB8AC3E}">
+        <p14:creationId xmlns:p14="http://schemas.microsoft.com/office/powerpoint/2010/main" val="1729543680"/>
+      </p:ext>
+    </p:extLst>
+  </p:cSld>
+  <p:clrMapOvr>
+    <a:masterClrMapping/>
+  </p:clrMapOvr>
+  <p:timing>
+    <p:tnLst>
+      <p:par>
+        <p:cTn id="1" dur="indefinite" restart="never" nodeType="tmRoot">
+          <p:childTnLst>
+            <p:seq concurrent="1" nextAc="seek">
+              <p:cTn id="2" dur="indefinite" nodeType="mainSeq">
+                <p:childTnLst>
+                  <p:par>
+                    <p:cTn id="3" fill="hold">
+                      <p:stCondLst>
+                        <p:cond delay="indefinite"/>
+                        <p:cond evt="onBegin" delay="0">
+                          <p:tn val="2"/>
+                        </p:cond>
+                      </p:stCondLst>
+                      <p:childTnLst>
+                        <p:par>
+                          <p:cTn id="4" fill="hold">
+                            <p:stCondLst>
+                              <p:cond delay="0"/>
+                            </p:stCondLst>
+                            <p:childTnLst>
+                              <p:par>
+                                <p:cTn id="5" presetID="10" presetClass="entr" presetSubtype="0" fill="hold" grpId="0" nodeType="withEffect">
+                                  <p:stCondLst>
+                                    <p:cond delay="1000"/>
+                                  </p:stCondLst>
+                                  <p:iterate>
+                                    <p:tmPct val="10000"/>
+                                  </p:iterate>
+                                  <p:childTnLst>
+                                    <p:set>
+                                      <p:cBhvr>
+                                        <p:cTn id="6" dur="1" fill="hold">
+                                          <p:stCondLst>
+                                            <p:cond delay="0"/>
+                                          </p:stCondLst>
+                                        </p:cTn>
+                                        <p:tgtEl>
+                                          <p:spTgt spid="2"/>
+                                        </p:tgtEl>
+                                        <p:attrNameLst>
+                                          <p:attrName>style.visibility</p:attrName>
+                                        </p:attrNameLst>
+                                      </p:cBhvr>
+                                      <p:to>
+                                        <p:strVal val="visible"/>
+                                      </p:to>
+                                    </p:set>
+                                    <p:animEffect transition="in" filter="fade">
+                                      <p:cBhvr>
+                                        <p:cTn id="7" dur="700"/>
+                                        <p:tgtEl>
+                                          <p:spTgt spid="2"/>
+                                        </p:tgtEl>
+                                      </p:cBhvr>
+                                    </p:animEffect>
+                                  </p:childTnLst>
+                                </p:cTn>
+                              </p:par>
+                            </p:childTnLst>
+                          </p:cTn>
+                        </p:par>
+                      </p:childTnLst>
+                    </p:cTn>
+                  </p:par>
+                </p:childTnLst>
+              </p:cTn>
+              <p:prevCondLst>
+                <p:cond evt="onPrev" delay="0">
+                  <p:tgtEl>
+                    <p:sldTgt/>
+                  </p:tgtEl>
+                </p:cond>
+              </p:prevCondLst>
+              <p:nextCondLst>
+                <p:cond evt="onNext" delay="0">
+                  <p:tgtEl>
+                    <p:sldTgt/>
+                  </p:tgtEl>
+                </p:cond>
+              </p:nextCondLst>
+            </p:seq>
+          </p:childTnLst>
+        </p:cTn>
+      </p:par>
+    </p:tnLst>
+    <p:bldLst>
+      <p:bldP spid="2" grpId="0"/>
+    </p:bldLst>
+  </p:timing>
+</p:sld>
+</file>
+
+<file path=ppt/slides/slide4.xml><?xml version="1.0" encoding="utf-8"?>
+<p:sld xmlns:a="http://schemas.openxmlformats.org/drawingml/2006/main" xmlns:r="http://schemas.openxmlformats.org/officeDocument/2006/relationships" xmlns:p="http://schemas.openxmlformats.org/presentationml/2006/main">
+  <p:cSld>
+    <p:bg>
+      <p:bgPr>
+        <a:solidFill>
+          <a:schemeClr val="bg1"/>
+        </a:solidFill>
+        <a:effectLst/>
+      </p:bgPr>
+    </p:bg>
+    <p:spTree>
+      <p:nvGrpSpPr>
+        <p:cNvPr id="1" name=""/>
+        <p:cNvGrpSpPr/>
+        <p:nvPr/>
+      </p:nvGrpSpPr>
+      <p:grpSpPr>
+        <a:xfrm>
+          <a:off x="0" y="0"/>
+          <a:ext cx="0" cy="0"/>
+          <a:chOff x="0" y="0"/>
+          <a:chExt cx="0" cy="0"/>
+        </a:xfrm>
+      </p:grpSpPr>
+      <p:sp useBgFill="1">
+        <p:nvSpPr>
+          <p:cNvPr id="31" name="Rectangle 30">
+            <a:extLst>
+              <a:ext uri="{FF2B5EF4-FFF2-40B4-BE49-F238E27FC236}">
+                <a16:creationId xmlns:a16="http://schemas.microsoft.com/office/drawing/2014/main" id="{1E644DE9-8D09-43E2-BA69-F57482CFC93A}"/>
+              </a:ext>
+              <a:ext uri="{C183D7F6-B498-43B3-948B-1728B52AA6E4}">
+                <adec:decorative xmlns:adec="http://schemas.microsoft.com/office/drawing/2017/decorative" val="1"/>
+              </a:ext>
+            </a:extLst>
+          </p:cNvPr>
+          <p:cNvSpPr>
+            <a:spLocks noGrp="1" noRot="1" noChangeAspect="1" noMove="1" noResize="1" noEditPoints="1" noAdjustHandles="1" noChangeArrowheads="1" noChangeShapeType="1" noTextEdit="1"/>
+          </p:cNvSpPr>
+          <p:nvPr>
+            <p:extLst>
+              <p:ext uri="{386F3935-93C4-4BCD-93E2-E3B085C9AB24}">
+                <p16:designElem xmlns:p16="http://schemas.microsoft.com/office/powerpoint/2015/main" val="1"/>
+              </p:ext>
+            </p:extLst>
+          </p:nvPr>
+        </p:nvSpPr>
+        <p:spPr>
+          <a:xfrm>
+            <a:off x="0" y="0"/>
+            <a:ext cx="12188952" cy="6858000"/>
+          </a:xfrm>
+          <a:prstGeom prst="rect">
+            <a:avLst/>
+          </a:prstGeom>
+          <a:ln>
+            <a:noFill/>
+          </a:ln>
+        </p:spPr>
+        <p:style>
+          <a:lnRef idx="2">
+            <a:schemeClr val="accent1">
+              <a:shade val="50000"/>
+            </a:schemeClr>
+          </a:lnRef>
+          <a:fillRef idx="1">
+            <a:schemeClr val="accent1"/>
+          </a:fillRef>
+          <a:effectRef idx="0">
+            <a:schemeClr val="accent1"/>
+          </a:effectRef>
+          <a:fontRef idx="minor">
+            <a:schemeClr val="lt1"/>
+          </a:fontRef>
+        </p:style>
+        <p:txBody>
+          <a:bodyPr rtlCol="0" anchor="ctr"/>
+          <a:lstStyle/>
+          <a:p>
+            <a:pPr algn="ctr"/>
+            <a:endParaRPr lang="en-US" dirty="0">
+              <a:solidFill>
+                <a:schemeClr val="tx1">
+                  <a:lumMod val="65000"/>
+                  <a:lumOff val="35000"/>
+                </a:schemeClr>
+              </a:solidFill>
+              <a:latin typeface="AvenirNext LT Pro Medium" panose="020B0504020202020204" pitchFamily="34" charset="0"/>
+            </a:endParaRPr>
+          </a:p>
+        </p:txBody>
+      </p:sp>
+      <p:sp>
+        <p:nvSpPr>
+          <p:cNvPr id="33" name="Rectangle 32">
+            <a:extLst>
+              <a:ext uri="{FF2B5EF4-FFF2-40B4-BE49-F238E27FC236}">
+                <a16:creationId xmlns:a16="http://schemas.microsoft.com/office/drawing/2014/main" id="{6C23C919-B32E-40FF-B3D8-631316E84E3E}"/>
+              </a:ext>
+              <a:ext uri="{C183D7F6-B498-43B3-948B-1728B52AA6E4}">
+                <adec:decorative xmlns:adec="http://schemas.microsoft.com/office/drawing/2017/decorative" val="1"/>
+              </a:ext>
+            </a:extLst>
+          </p:cNvPr>
+          <p:cNvSpPr>
+            <a:spLocks noGrp="1" noRot="1" noChangeAspect="1" noMove="1" noResize="1" noEditPoints="1" noAdjustHandles="1" noChangeArrowheads="1" noChangeShapeType="1" noTextEdit="1"/>
+          </p:cNvSpPr>
+          <p:nvPr>
+            <p:extLst>
+              <p:ext uri="{386F3935-93C4-4BCD-93E2-E3B085C9AB24}">
+                <p16:designElem xmlns:p16="http://schemas.microsoft.com/office/powerpoint/2015/main" val="1"/>
+              </p:ext>
+            </p:extLst>
+          </p:nvPr>
+        </p:nvSpPr>
+        <p:spPr>
+          <a:xfrm>
+            <a:off x="0" y="0"/>
+            <a:ext cx="12192000" cy="6858000"/>
+          </a:xfrm>
+          <a:prstGeom prst="rect">
+            <a:avLst/>
+          </a:prstGeom>
+          <a:solidFill>
+            <a:srgbClr val="000000"/>
+          </a:solidFill>
+          <a:ln>
+            <a:noFill/>
+          </a:ln>
+        </p:spPr>
+        <p:style>
+          <a:lnRef idx="2">
+            <a:schemeClr val="accent1">
+              <a:shade val="50000"/>
+            </a:schemeClr>
+          </a:lnRef>
+          <a:fillRef idx="1">
+            <a:schemeClr val="accent1"/>
+          </a:fillRef>
+          <a:effectRef idx="0">
+            <a:schemeClr val="accent1"/>
+          </a:effectRef>
+          <a:fontRef idx="minor">
+            <a:schemeClr val="lt1"/>
+          </a:fontRef>
+        </p:style>
+        <p:txBody>
+          <a:bodyPr rtlCol="0" anchor="ctr"/>
+          <a:lstStyle/>
+          <a:p>
+            <a:pPr algn="ctr"/>
+            <a:endParaRPr lang="en-US" dirty="0">
+              <a:solidFill>
+                <a:schemeClr val="tx1">
+                  <a:lumMod val="65000"/>
+                  <a:lumOff val="35000"/>
+                </a:schemeClr>
+              </a:solidFill>
+              <a:latin typeface="AvenirNext LT Pro Medium" panose="020B0504020202020204" pitchFamily="34" charset="0"/>
+            </a:endParaRPr>
+          </a:p>
+        </p:txBody>
+      </p:sp>
+      <p:pic>
+        <p:nvPicPr>
+          <p:cNvPr id="4" name="Picture 3" descr="Graphique financier sur arrière-plan flou avec fuites de lumière">
+            <a:extLst>
+              <a:ext uri="{FF2B5EF4-FFF2-40B4-BE49-F238E27FC236}">
+                <a16:creationId xmlns:a16="http://schemas.microsoft.com/office/drawing/2014/main" id="{4E4E4B81-7926-4109-850C-54D0F498586E}"/>
+              </a:ext>
+            </a:extLst>
+          </p:cNvPr>
+          <p:cNvPicPr>
+            <a:picLocks noChangeAspect="1"/>
+          </p:cNvPicPr>
+          <p:nvPr/>
+        </p:nvPicPr>
+        <p:blipFill rotWithShape="1">
+          <a:blip r:embed="rId2">
+            <a:alphaModFix amt="60000"/>
+          </a:blip>
+          <a:srcRect t="14285" b="2706"/>
+          <a:stretch/>
+        </p:blipFill>
+        <p:spPr>
+          <a:xfrm>
+            <a:off x="-3048" y="1386"/>
+            <a:ext cx="12191980" cy="6856614"/>
+          </a:xfrm>
+          <a:prstGeom prst="rect">
+            <a:avLst/>
+          </a:prstGeom>
+        </p:spPr>
+      </p:pic>
       <p:sp>
         <p:nvSpPr>
           <p:cNvPr id="3" name="Sous-titre 2">
@@ -4769,8 +5612,8 @@
         </p:nvSpPr>
         <p:spPr>
           <a:xfrm>
-            <a:off x="838200" y="2017336"/>
-            <a:ext cx="9201346" cy="3949831"/>
+            <a:off x="755164" y="416785"/>
+            <a:ext cx="9201346" cy="1319753"/>
           </a:xfrm>
         </p:spPr>
         <p:txBody>
@@ -4780,14 +5623,83 @@
           <a:lstStyle/>
           <a:p>
             <a:pPr algn="l"/>
-            <a:endParaRPr lang="fr-FR" sz="2400" dirty="0">
-              <a:solidFill>
-                <a:srgbClr val="FFFFFF"/>
-              </a:solidFill>
-            </a:endParaRPr>
-          </a:p>
-        </p:txBody>
-      </p:sp>
+            <a:r>
+              <a:rPr lang="fr-FR" sz="2400" dirty="0">
+                <a:solidFill>
+                  <a:srgbClr val="FFFFFF"/>
+                </a:solidFill>
+              </a:rPr>
+              <a:t>Pour répondre à la problématique nous allons nous intéresser aux ventes globales moyennes de jeux vidéo par genre puis par plateforme utilisée.</a:t>
+            </a:r>
+          </a:p>
+        </p:txBody>
+      </p:sp>
+      <p:pic>
+        <p:nvPicPr>
+          <p:cNvPr id="6" name="Image 5">
+            <a:extLst>
+              <a:ext uri="{FF2B5EF4-FFF2-40B4-BE49-F238E27FC236}">
+                <a16:creationId xmlns:a16="http://schemas.microsoft.com/office/drawing/2014/main" id="{A79AA03B-74D7-4F6E-8E1E-6FFB9C50F2E9}"/>
+              </a:ext>
+            </a:extLst>
+          </p:cNvPr>
+          <p:cNvPicPr>
+            <a:picLocks noChangeAspect="1"/>
+          </p:cNvPicPr>
+          <p:nvPr/>
+        </p:nvPicPr>
+        <p:blipFill>
+          <a:blip r:embed="rId3"/>
+          <a:stretch>
+            <a:fillRect/>
+          </a:stretch>
+        </p:blipFill>
+        <p:spPr>
+          <a:xfrm>
+            <a:off x="865707" y="1736538"/>
+            <a:ext cx="9560338" cy="2424705"/>
+          </a:xfrm>
+          <a:prstGeom prst="rect">
+            <a:avLst/>
+          </a:prstGeom>
+          <a:solidFill>
+            <a:schemeClr val="bg1"/>
+          </a:solidFill>
+        </p:spPr>
+      </p:pic>
+      <p:pic>
+        <p:nvPicPr>
+          <p:cNvPr id="7" name="Image 6">
+            <a:extLst>
+              <a:ext uri="{FF2B5EF4-FFF2-40B4-BE49-F238E27FC236}">
+                <a16:creationId xmlns:a16="http://schemas.microsoft.com/office/drawing/2014/main" id="{DF25BD56-D1CD-41B8-9CAB-B171ADFE7D97}"/>
+              </a:ext>
+            </a:extLst>
+          </p:cNvPr>
+          <p:cNvPicPr>
+            <a:picLocks noChangeAspect="1"/>
+          </p:cNvPicPr>
+          <p:nvPr/>
+        </p:nvPicPr>
+        <p:blipFill>
+          <a:blip r:embed="rId4"/>
+          <a:stretch>
+            <a:fillRect/>
+          </a:stretch>
+        </p:blipFill>
+        <p:spPr>
+          <a:xfrm>
+            <a:off x="865707" y="4161243"/>
+            <a:ext cx="9560338" cy="2424705"/>
+          </a:xfrm>
+          <a:prstGeom prst="rect">
+            <a:avLst/>
+          </a:prstGeom>
+          <a:solidFill>
+            <a:schemeClr val="bg1"/>
+          </a:solidFill>
+        </p:spPr>
+      </p:pic>
     </p:spTree>
     <p:extLst>
       <p:ext uri="{BB962C8B-B14F-4D97-AF65-F5344CB8AC3E}">
@@ -4822,15 +5734,10 @@
                             </p:stCondLst>
                             <p:childTnLst>
                               <p:par>
-                                <p:cTn id="5" presetID="10" presetClass="entr" presetSubtype="0" fill="hold" grpId="0" nodeType="withEffect" nodePh="1">
+                                <p:cTn id="5" presetID="10" presetClass="entr" presetSubtype="0" fill="hold" grpId="0" nodeType="withEffect">
                                   <p:stCondLst>
                                     <p:cond delay="1500"/>
                                   </p:stCondLst>
-                                  <p:endCondLst>
-                                    <p:cond evt="begin" delay="0">
-                                      <p:tn val="5"/>
-                                    </p:cond>
-                                  </p:endCondLst>
                                   <p:iterate>
                                     <p:tmPct val="10000"/>
                                   </p:iterate>
@@ -4872,49 +5779,6 @@
                                   </p:childTnLst>
                                 </p:cTn>
                               </p:par>
-                              <p:par>
-                                <p:cTn id="8" presetID="10" presetClass="entr" presetSubtype="0" fill="hold" grpId="0" nodeType="withEffect" nodePh="1">
-                                  <p:stCondLst>
-                                    <p:cond delay="1000"/>
-                                  </p:stCondLst>
-                                  <p:endCondLst>
-                                    <p:cond evt="begin" delay="0">
-                                      <p:tn val="8"/>
-                                    </p:cond>
-                                  </p:endCondLst>
-                                  <p:iterate>
-                                    <p:tmPct val="10000"/>
-                                  </p:iterate>
-                                  <p:childTnLst>
-                                    <p:set>
-                                      <p:cBhvr>
-                                        <p:cTn id="9" dur="1" fill="hold">
-                                          <p:stCondLst>
-                                            <p:cond delay="0"/>
-                                          </p:stCondLst>
-                                        </p:cTn>
-                                        <p:tgtEl>
-                                          <p:spTgt spid="2"/>
-                                        </p:tgtEl>
-                                        <p:attrNameLst>
-                                          <p:attrName>style.visibility</p:attrName>
-                                        </p:attrNameLst>
-                                      </p:cBhvr>
-                                      <p:to>
-                                        <p:strVal val="visible"/>
-                                      </p:to>
-                                    </p:set>
-                                    <p:animEffect transition="in" filter="fade">
-                                      <p:cBhvr>
-                                        <p:cTn id="10" dur="700"/>
-                                        <p:tgtEl>
-                                          <p:spTgt spid="2"/>
-                                        </p:tgtEl>
-                                      </p:cBhvr>
-                                    </p:animEffect>
-                                  </p:childTnLst>
-                                </p:cTn>
-                              </p:par>
                             </p:childTnLst>
                           </p:cTn>
                         </p:par>
@@ -4943,10 +5807,1581 @@
       </p:par>
     </p:tnLst>
     <p:bldLst>
-      <p:bldP spid="2" grpId="0"/>
       <p:bldP spid="3" grpId="0" build="p"/>
     </p:bldLst>
   </p:timing>
+</p:sld>
+</file>
+
+<file path=ppt/slides/slide5.xml><?xml version="1.0" encoding="utf-8"?>
+<p:sld xmlns:a="http://schemas.openxmlformats.org/drawingml/2006/main" xmlns:r="http://schemas.openxmlformats.org/officeDocument/2006/relationships" xmlns:p="http://schemas.openxmlformats.org/presentationml/2006/main">
+  <p:cSld>
+    <p:bg>
+      <p:bgPr>
+        <a:solidFill>
+          <a:schemeClr val="bg1"/>
+        </a:solidFill>
+        <a:effectLst/>
+      </p:bgPr>
+    </p:bg>
+    <p:spTree>
+      <p:nvGrpSpPr>
+        <p:cNvPr id="1" name=""/>
+        <p:cNvGrpSpPr/>
+        <p:nvPr/>
+      </p:nvGrpSpPr>
+      <p:grpSpPr>
+        <a:xfrm>
+          <a:off x="0" y="0"/>
+          <a:ext cx="0" cy="0"/>
+          <a:chOff x="0" y="0"/>
+          <a:chExt cx="0" cy="0"/>
+        </a:xfrm>
+      </p:grpSpPr>
+      <p:sp useBgFill="1">
+        <p:nvSpPr>
+          <p:cNvPr id="31" name="Rectangle 30">
+            <a:extLst>
+              <a:ext uri="{FF2B5EF4-FFF2-40B4-BE49-F238E27FC236}">
+                <a16:creationId xmlns:a16="http://schemas.microsoft.com/office/drawing/2014/main" id="{1E644DE9-8D09-43E2-BA69-F57482CFC93A}"/>
+              </a:ext>
+              <a:ext uri="{C183D7F6-B498-43B3-948B-1728B52AA6E4}">
+                <adec:decorative xmlns:adec="http://schemas.microsoft.com/office/drawing/2017/decorative" val="1"/>
+              </a:ext>
+            </a:extLst>
+          </p:cNvPr>
+          <p:cNvSpPr>
+            <a:spLocks noGrp="1" noRot="1" noChangeAspect="1" noMove="1" noResize="1" noEditPoints="1" noAdjustHandles="1" noChangeArrowheads="1" noChangeShapeType="1" noTextEdit="1"/>
+          </p:cNvSpPr>
+          <p:nvPr>
+            <p:extLst>
+              <p:ext uri="{386F3935-93C4-4BCD-93E2-E3B085C9AB24}">
+                <p16:designElem xmlns:p16="http://schemas.microsoft.com/office/powerpoint/2015/main" val="1"/>
+              </p:ext>
+            </p:extLst>
+          </p:nvPr>
+        </p:nvSpPr>
+        <p:spPr>
+          <a:xfrm>
+            <a:off x="0" y="0"/>
+            <a:ext cx="12188952" cy="6858000"/>
+          </a:xfrm>
+          <a:prstGeom prst="rect">
+            <a:avLst/>
+          </a:prstGeom>
+          <a:ln>
+            <a:noFill/>
+          </a:ln>
+        </p:spPr>
+        <p:style>
+          <a:lnRef idx="2">
+            <a:schemeClr val="accent1">
+              <a:shade val="50000"/>
+            </a:schemeClr>
+          </a:lnRef>
+          <a:fillRef idx="1">
+            <a:schemeClr val="accent1"/>
+          </a:fillRef>
+          <a:effectRef idx="0">
+            <a:schemeClr val="accent1"/>
+          </a:effectRef>
+          <a:fontRef idx="minor">
+            <a:schemeClr val="lt1"/>
+          </a:fontRef>
+        </p:style>
+        <p:txBody>
+          <a:bodyPr rtlCol="0" anchor="ctr"/>
+          <a:lstStyle/>
+          <a:p>
+            <a:pPr algn="ctr"/>
+            <a:endParaRPr lang="en-US" dirty="0">
+              <a:solidFill>
+                <a:schemeClr val="tx1">
+                  <a:lumMod val="65000"/>
+                  <a:lumOff val="35000"/>
+                </a:schemeClr>
+              </a:solidFill>
+              <a:latin typeface="AvenirNext LT Pro Medium" panose="020B0504020202020204" pitchFamily="34" charset="0"/>
+            </a:endParaRPr>
+          </a:p>
+        </p:txBody>
+      </p:sp>
+      <p:sp>
+        <p:nvSpPr>
+          <p:cNvPr id="33" name="Rectangle 32">
+            <a:extLst>
+              <a:ext uri="{FF2B5EF4-FFF2-40B4-BE49-F238E27FC236}">
+                <a16:creationId xmlns:a16="http://schemas.microsoft.com/office/drawing/2014/main" id="{6C23C919-B32E-40FF-B3D8-631316E84E3E}"/>
+              </a:ext>
+              <a:ext uri="{C183D7F6-B498-43B3-948B-1728B52AA6E4}">
+                <adec:decorative xmlns:adec="http://schemas.microsoft.com/office/drawing/2017/decorative" val="1"/>
+              </a:ext>
+            </a:extLst>
+          </p:cNvPr>
+          <p:cNvSpPr>
+            <a:spLocks noGrp="1" noRot="1" noChangeAspect="1" noMove="1" noResize="1" noEditPoints="1" noAdjustHandles="1" noChangeArrowheads="1" noChangeShapeType="1" noTextEdit="1"/>
+          </p:cNvSpPr>
+          <p:nvPr>
+            <p:extLst>
+              <p:ext uri="{386F3935-93C4-4BCD-93E2-E3B085C9AB24}">
+                <p16:designElem xmlns:p16="http://schemas.microsoft.com/office/powerpoint/2015/main" val="1"/>
+              </p:ext>
+            </p:extLst>
+          </p:nvPr>
+        </p:nvSpPr>
+        <p:spPr>
+          <a:xfrm>
+            <a:off x="0" y="0"/>
+            <a:ext cx="12192000" cy="6858000"/>
+          </a:xfrm>
+          <a:prstGeom prst="rect">
+            <a:avLst/>
+          </a:prstGeom>
+          <a:solidFill>
+            <a:srgbClr val="000000"/>
+          </a:solidFill>
+          <a:ln>
+            <a:noFill/>
+          </a:ln>
+        </p:spPr>
+        <p:style>
+          <a:lnRef idx="2">
+            <a:schemeClr val="accent1">
+              <a:shade val="50000"/>
+            </a:schemeClr>
+          </a:lnRef>
+          <a:fillRef idx="1">
+            <a:schemeClr val="accent1"/>
+          </a:fillRef>
+          <a:effectRef idx="0">
+            <a:schemeClr val="accent1"/>
+          </a:effectRef>
+          <a:fontRef idx="minor">
+            <a:schemeClr val="lt1"/>
+          </a:fontRef>
+        </p:style>
+        <p:txBody>
+          <a:bodyPr rtlCol="0" anchor="ctr"/>
+          <a:lstStyle/>
+          <a:p>
+            <a:pPr algn="ctr"/>
+            <a:endParaRPr lang="en-US" dirty="0">
+              <a:solidFill>
+                <a:schemeClr val="tx1">
+                  <a:lumMod val="65000"/>
+                  <a:lumOff val="35000"/>
+                </a:schemeClr>
+              </a:solidFill>
+              <a:latin typeface="AvenirNext LT Pro Medium" panose="020B0504020202020204" pitchFamily="34" charset="0"/>
+            </a:endParaRPr>
+          </a:p>
+        </p:txBody>
+      </p:sp>
+      <p:pic>
+        <p:nvPicPr>
+          <p:cNvPr id="4" name="Picture 3" descr="Graphique financier sur arrière-plan flou avec fuites de lumière">
+            <a:extLst>
+              <a:ext uri="{FF2B5EF4-FFF2-40B4-BE49-F238E27FC236}">
+                <a16:creationId xmlns:a16="http://schemas.microsoft.com/office/drawing/2014/main" id="{4E4E4B81-7926-4109-850C-54D0F498586E}"/>
+              </a:ext>
+            </a:extLst>
+          </p:cNvPr>
+          <p:cNvPicPr>
+            <a:picLocks noChangeAspect="1"/>
+          </p:cNvPicPr>
+          <p:nvPr/>
+        </p:nvPicPr>
+        <p:blipFill rotWithShape="1">
+          <a:blip r:embed="rId2">
+            <a:alphaModFix amt="60000"/>
+          </a:blip>
+          <a:srcRect t="14285" b="2706"/>
+          <a:stretch/>
+        </p:blipFill>
+        <p:spPr>
+          <a:xfrm>
+            <a:off x="-3048" y="1386"/>
+            <a:ext cx="12191980" cy="6856614"/>
+          </a:xfrm>
+          <a:prstGeom prst="rect">
+            <a:avLst/>
+          </a:prstGeom>
+        </p:spPr>
+      </p:pic>
+      <p:pic>
+        <p:nvPicPr>
+          <p:cNvPr id="2050" name="Picture 2">
+            <a:extLst>
+              <a:ext uri="{FF2B5EF4-FFF2-40B4-BE49-F238E27FC236}">
+                <a16:creationId xmlns:a16="http://schemas.microsoft.com/office/drawing/2014/main" id="{574E3830-7639-4BE9-A903-55175A087A4B}"/>
+              </a:ext>
+            </a:extLst>
+          </p:cNvPr>
+          <p:cNvPicPr>
+            <a:picLocks noChangeAspect="1" noChangeArrowheads="1"/>
+          </p:cNvPicPr>
+          <p:nvPr/>
+        </p:nvPicPr>
+        <p:blipFill>
+          <a:blip r:embed="rId3">
+            <a:extLst>
+              <a:ext uri="{28A0092B-C50C-407E-A947-70E740481C1C}">
+                <a14:useLocalDpi xmlns:a14="http://schemas.microsoft.com/office/drawing/2010/main" val="0"/>
+              </a:ext>
+            </a:extLst>
+          </a:blip>
+          <a:srcRect/>
+          <a:stretch>
+            <a:fillRect/>
+          </a:stretch>
+        </p:blipFill>
+        <p:spPr bwMode="auto">
+          <a:xfrm>
+            <a:off x="0" y="0"/>
+            <a:ext cx="12192000" cy="3638746"/>
+          </a:xfrm>
+          <a:prstGeom prst="rect">
+            <a:avLst/>
+          </a:prstGeom>
+          <a:solidFill>
+            <a:schemeClr val="bg1"/>
+          </a:solidFill>
+        </p:spPr>
+      </p:pic>
+      <p:pic>
+        <p:nvPicPr>
+          <p:cNvPr id="8" name="Image 7">
+            <a:extLst>
+              <a:ext uri="{FF2B5EF4-FFF2-40B4-BE49-F238E27FC236}">
+                <a16:creationId xmlns:a16="http://schemas.microsoft.com/office/drawing/2014/main" id="{7CEA2E03-56CA-4C84-B2E2-8FA64870994E}"/>
+              </a:ext>
+            </a:extLst>
+          </p:cNvPr>
+          <p:cNvPicPr>
+            <a:picLocks noChangeAspect="1"/>
+          </p:cNvPicPr>
+          <p:nvPr/>
+        </p:nvPicPr>
+        <p:blipFill>
+          <a:blip r:embed="rId4"/>
+          <a:stretch>
+            <a:fillRect/>
+          </a:stretch>
+        </p:blipFill>
+        <p:spPr>
+          <a:xfrm>
+            <a:off x="3047" y="3638745"/>
+            <a:ext cx="12183907" cy="3360237"/>
+          </a:xfrm>
+          <a:prstGeom prst="rect">
+            <a:avLst/>
+          </a:prstGeom>
+          <a:solidFill>
+            <a:schemeClr val="bg1"/>
+          </a:solidFill>
+        </p:spPr>
+      </p:pic>
+    </p:spTree>
+    <p:extLst>
+      <p:ext uri="{BB962C8B-B14F-4D97-AF65-F5344CB8AC3E}">
+        <p14:creationId xmlns:p14="http://schemas.microsoft.com/office/powerpoint/2010/main" val="4062469468"/>
+      </p:ext>
+    </p:extLst>
+  </p:cSld>
+  <p:clrMapOvr>
+    <a:masterClrMapping/>
+  </p:clrMapOvr>
+</p:sld>
+</file>
+
+<file path=ppt/slides/slide6.xml><?xml version="1.0" encoding="utf-8"?>
+<p:sld xmlns:a="http://schemas.openxmlformats.org/drawingml/2006/main" xmlns:r="http://schemas.openxmlformats.org/officeDocument/2006/relationships" xmlns:p="http://schemas.openxmlformats.org/presentationml/2006/main">
+  <p:cSld>
+    <p:bg>
+      <p:bgPr>
+        <a:solidFill>
+          <a:schemeClr val="bg1"/>
+        </a:solidFill>
+        <a:effectLst/>
+      </p:bgPr>
+    </p:bg>
+    <p:spTree>
+      <p:nvGrpSpPr>
+        <p:cNvPr id="1" name=""/>
+        <p:cNvGrpSpPr/>
+        <p:nvPr/>
+      </p:nvGrpSpPr>
+      <p:grpSpPr>
+        <a:xfrm>
+          <a:off x="0" y="0"/>
+          <a:ext cx="0" cy="0"/>
+          <a:chOff x="0" y="0"/>
+          <a:chExt cx="0" cy="0"/>
+        </a:xfrm>
+      </p:grpSpPr>
+      <p:sp useBgFill="1">
+        <p:nvSpPr>
+          <p:cNvPr id="31" name="Rectangle 30">
+            <a:extLst>
+              <a:ext uri="{FF2B5EF4-FFF2-40B4-BE49-F238E27FC236}">
+                <a16:creationId xmlns:a16="http://schemas.microsoft.com/office/drawing/2014/main" id="{1E644DE9-8D09-43E2-BA69-F57482CFC93A}"/>
+              </a:ext>
+              <a:ext uri="{C183D7F6-B498-43B3-948B-1728B52AA6E4}">
+                <adec:decorative xmlns:adec="http://schemas.microsoft.com/office/drawing/2017/decorative" val="1"/>
+              </a:ext>
+            </a:extLst>
+          </p:cNvPr>
+          <p:cNvSpPr>
+            <a:spLocks noGrp="1" noRot="1" noChangeAspect="1" noMove="1" noResize="1" noEditPoints="1" noAdjustHandles="1" noChangeArrowheads="1" noChangeShapeType="1" noTextEdit="1"/>
+          </p:cNvSpPr>
+          <p:nvPr>
+            <p:extLst>
+              <p:ext uri="{386F3935-93C4-4BCD-93E2-E3B085C9AB24}">
+                <p16:designElem xmlns:p16="http://schemas.microsoft.com/office/powerpoint/2015/main" val="1"/>
+              </p:ext>
+            </p:extLst>
+          </p:nvPr>
+        </p:nvSpPr>
+        <p:spPr>
+          <a:xfrm>
+            <a:off x="0" y="0"/>
+            <a:ext cx="12188952" cy="6858000"/>
+          </a:xfrm>
+          <a:prstGeom prst="rect">
+            <a:avLst/>
+          </a:prstGeom>
+          <a:ln>
+            <a:noFill/>
+          </a:ln>
+        </p:spPr>
+        <p:style>
+          <a:lnRef idx="2">
+            <a:schemeClr val="accent1">
+              <a:shade val="50000"/>
+            </a:schemeClr>
+          </a:lnRef>
+          <a:fillRef idx="1">
+            <a:schemeClr val="accent1"/>
+          </a:fillRef>
+          <a:effectRef idx="0">
+            <a:schemeClr val="accent1"/>
+          </a:effectRef>
+          <a:fontRef idx="minor">
+            <a:schemeClr val="lt1"/>
+          </a:fontRef>
+        </p:style>
+        <p:txBody>
+          <a:bodyPr rtlCol="0" anchor="ctr"/>
+          <a:lstStyle/>
+          <a:p>
+            <a:pPr algn="ctr"/>
+            <a:endParaRPr lang="en-US" dirty="0">
+              <a:solidFill>
+                <a:schemeClr val="tx1">
+                  <a:lumMod val="65000"/>
+                  <a:lumOff val="35000"/>
+                </a:schemeClr>
+              </a:solidFill>
+              <a:latin typeface="AvenirNext LT Pro Medium" panose="020B0504020202020204" pitchFamily="34" charset="0"/>
+            </a:endParaRPr>
+          </a:p>
+        </p:txBody>
+      </p:sp>
+      <p:sp>
+        <p:nvSpPr>
+          <p:cNvPr id="33" name="Rectangle 32">
+            <a:extLst>
+              <a:ext uri="{FF2B5EF4-FFF2-40B4-BE49-F238E27FC236}">
+                <a16:creationId xmlns:a16="http://schemas.microsoft.com/office/drawing/2014/main" id="{6C23C919-B32E-40FF-B3D8-631316E84E3E}"/>
+              </a:ext>
+              <a:ext uri="{C183D7F6-B498-43B3-948B-1728B52AA6E4}">
+                <adec:decorative xmlns:adec="http://schemas.microsoft.com/office/drawing/2017/decorative" val="1"/>
+              </a:ext>
+            </a:extLst>
+          </p:cNvPr>
+          <p:cNvSpPr>
+            <a:spLocks noGrp="1" noRot="1" noChangeAspect="1" noMove="1" noResize="1" noEditPoints="1" noAdjustHandles="1" noChangeArrowheads="1" noChangeShapeType="1" noTextEdit="1"/>
+          </p:cNvSpPr>
+          <p:nvPr>
+            <p:extLst>
+              <p:ext uri="{386F3935-93C4-4BCD-93E2-E3B085C9AB24}">
+                <p16:designElem xmlns:p16="http://schemas.microsoft.com/office/powerpoint/2015/main" val="1"/>
+              </p:ext>
+            </p:extLst>
+          </p:nvPr>
+        </p:nvSpPr>
+        <p:spPr>
+          <a:xfrm>
+            <a:off x="0" y="0"/>
+            <a:ext cx="12192000" cy="6858000"/>
+          </a:xfrm>
+          <a:prstGeom prst="rect">
+            <a:avLst/>
+          </a:prstGeom>
+          <a:solidFill>
+            <a:srgbClr val="000000"/>
+          </a:solidFill>
+          <a:ln>
+            <a:noFill/>
+          </a:ln>
+        </p:spPr>
+        <p:style>
+          <a:lnRef idx="2">
+            <a:schemeClr val="accent1">
+              <a:shade val="50000"/>
+            </a:schemeClr>
+          </a:lnRef>
+          <a:fillRef idx="1">
+            <a:schemeClr val="accent1"/>
+          </a:fillRef>
+          <a:effectRef idx="0">
+            <a:schemeClr val="accent1"/>
+          </a:effectRef>
+          <a:fontRef idx="minor">
+            <a:schemeClr val="lt1"/>
+          </a:fontRef>
+        </p:style>
+        <p:txBody>
+          <a:bodyPr rtlCol="0" anchor="ctr"/>
+          <a:lstStyle/>
+          <a:p>
+            <a:pPr algn="ctr"/>
+            <a:endParaRPr lang="en-US" dirty="0">
+              <a:solidFill>
+                <a:schemeClr val="tx1">
+                  <a:lumMod val="65000"/>
+                  <a:lumOff val="35000"/>
+                </a:schemeClr>
+              </a:solidFill>
+              <a:latin typeface="AvenirNext LT Pro Medium" panose="020B0504020202020204" pitchFamily="34" charset="0"/>
+            </a:endParaRPr>
+          </a:p>
+        </p:txBody>
+      </p:sp>
+      <p:pic>
+        <p:nvPicPr>
+          <p:cNvPr id="4" name="Picture 3" descr="Graphique financier sur arrière-plan flou avec fuites de lumière">
+            <a:extLst>
+              <a:ext uri="{FF2B5EF4-FFF2-40B4-BE49-F238E27FC236}">
+                <a16:creationId xmlns:a16="http://schemas.microsoft.com/office/drawing/2014/main" id="{4E4E4B81-7926-4109-850C-54D0F498586E}"/>
+              </a:ext>
+            </a:extLst>
+          </p:cNvPr>
+          <p:cNvPicPr>
+            <a:picLocks noChangeAspect="1"/>
+          </p:cNvPicPr>
+          <p:nvPr/>
+        </p:nvPicPr>
+        <p:blipFill rotWithShape="1">
+          <a:blip r:embed="rId2">
+            <a:alphaModFix amt="60000"/>
+          </a:blip>
+          <a:srcRect t="14285" b="2706"/>
+          <a:stretch/>
+        </p:blipFill>
+        <p:spPr>
+          <a:xfrm>
+            <a:off x="20" y="1386"/>
+            <a:ext cx="12191980" cy="6856614"/>
+          </a:xfrm>
+          <a:prstGeom prst="rect">
+            <a:avLst/>
+          </a:prstGeom>
+        </p:spPr>
+      </p:pic>
+      <p:sp>
+        <p:nvSpPr>
+          <p:cNvPr id="2" name="ZoneTexte 1">
+            <a:extLst>
+              <a:ext uri="{FF2B5EF4-FFF2-40B4-BE49-F238E27FC236}">
+                <a16:creationId xmlns:a16="http://schemas.microsoft.com/office/drawing/2014/main" id="{E325EEB2-A8DE-45A0-980B-45603BF3FCC8}"/>
+              </a:ext>
+            </a:extLst>
+          </p:cNvPr>
+          <p:cNvSpPr txBox="1"/>
+          <p:nvPr/>
+        </p:nvSpPr>
+        <p:spPr>
+          <a:xfrm>
+            <a:off x="606552" y="451794"/>
+            <a:ext cx="10972800" cy="584775"/>
+          </a:xfrm>
+          <a:prstGeom prst="rect">
+            <a:avLst/>
+          </a:prstGeom>
+          <a:noFill/>
+        </p:spPr>
+        <p:txBody>
+          <a:bodyPr wrap="square" rtlCol="0">
+            <a:spAutoFit/>
+          </a:bodyPr>
+          <a:lstStyle/>
+          <a:p>
+            <a:pPr algn="ctr"/>
+            <a:r>
+              <a:rPr lang="fr-FR" sz="3200" b="1" dirty="0">
+                <a:solidFill>
+                  <a:schemeClr val="bg1"/>
+                </a:solidFill>
+              </a:rPr>
+              <a:t>Répartition des ventes par années</a:t>
+            </a:r>
+          </a:p>
+        </p:txBody>
+      </p:sp>
+      <p:sp>
+        <p:nvSpPr>
+          <p:cNvPr id="5" name="ZoneTexte 4">
+            <a:extLst>
+              <a:ext uri="{FF2B5EF4-FFF2-40B4-BE49-F238E27FC236}">
+                <a16:creationId xmlns:a16="http://schemas.microsoft.com/office/drawing/2014/main" id="{FA215418-68F5-41A3-9702-CA111CC1A890}"/>
+              </a:ext>
+            </a:extLst>
+          </p:cNvPr>
+          <p:cNvSpPr txBox="1"/>
+          <p:nvPr/>
+        </p:nvSpPr>
+        <p:spPr>
+          <a:xfrm>
+            <a:off x="6096000" y="1263192"/>
+            <a:ext cx="5665560" cy="2062103"/>
+          </a:xfrm>
+          <a:prstGeom prst="rect">
+            <a:avLst/>
+          </a:prstGeom>
+          <a:noFill/>
+        </p:spPr>
+        <p:txBody>
+          <a:bodyPr wrap="square" rtlCol="0">
+            <a:spAutoFit/>
+          </a:bodyPr>
+          <a:lstStyle/>
+          <a:p>
+            <a:r>
+              <a:rPr lang="fr-FR" sz="3200" dirty="0">
+                <a:solidFill>
+                  <a:schemeClr val="bg1"/>
+                </a:solidFill>
+              </a:rPr>
+              <a:t>Ce graphique montre la répartition des ventes moyennes globales entre 2011 et 2016.</a:t>
+            </a:r>
+          </a:p>
+        </p:txBody>
+      </p:sp>
+      <p:pic>
+        <p:nvPicPr>
+          <p:cNvPr id="3" name="Image 2">
+            <a:extLst>
+              <a:ext uri="{FF2B5EF4-FFF2-40B4-BE49-F238E27FC236}">
+                <a16:creationId xmlns:a16="http://schemas.microsoft.com/office/drawing/2014/main" id="{D71792F4-9B4A-4F0A-B3C6-CB75A1112ADA}"/>
+              </a:ext>
+            </a:extLst>
+          </p:cNvPr>
+          <p:cNvPicPr>
+            <a:picLocks noChangeAspect="1"/>
+          </p:cNvPicPr>
+          <p:nvPr/>
+        </p:nvPicPr>
+        <p:blipFill>
+          <a:blip r:embed="rId3"/>
+          <a:stretch>
+            <a:fillRect/>
+          </a:stretch>
+        </p:blipFill>
+        <p:spPr>
+          <a:xfrm>
+            <a:off x="-3048" y="1488362"/>
+            <a:ext cx="6096000" cy="4705047"/>
+          </a:xfrm>
+          <a:prstGeom prst="rect">
+            <a:avLst/>
+          </a:prstGeom>
+          <a:solidFill>
+            <a:schemeClr val="bg1"/>
+          </a:solidFill>
+        </p:spPr>
+      </p:pic>
+    </p:spTree>
+    <p:extLst>
+      <p:ext uri="{BB962C8B-B14F-4D97-AF65-F5344CB8AC3E}">
+        <p14:creationId xmlns:p14="http://schemas.microsoft.com/office/powerpoint/2010/main" val="2545835879"/>
+      </p:ext>
+    </p:extLst>
+  </p:cSld>
+  <p:clrMapOvr>
+    <a:masterClrMapping/>
+  </p:clrMapOvr>
+</p:sld>
+</file>
+
+<file path=ppt/slides/slide7.xml><?xml version="1.0" encoding="utf-8"?>
+<p:sld xmlns:a="http://schemas.openxmlformats.org/drawingml/2006/main" xmlns:r="http://schemas.openxmlformats.org/officeDocument/2006/relationships" xmlns:p="http://schemas.openxmlformats.org/presentationml/2006/main">
+  <p:cSld>
+    <p:bg>
+      <p:bgPr>
+        <a:solidFill>
+          <a:schemeClr val="bg1"/>
+        </a:solidFill>
+        <a:effectLst/>
+      </p:bgPr>
+    </p:bg>
+    <p:spTree>
+      <p:nvGrpSpPr>
+        <p:cNvPr id="1" name=""/>
+        <p:cNvGrpSpPr/>
+        <p:nvPr/>
+      </p:nvGrpSpPr>
+      <p:grpSpPr>
+        <a:xfrm>
+          <a:off x="0" y="0"/>
+          <a:ext cx="0" cy="0"/>
+          <a:chOff x="0" y="0"/>
+          <a:chExt cx="0" cy="0"/>
+        </a:xfrm>
+      </p:grpSpPr>
+      <p:sp useBgFill="1">
+        <p:nvSpPr>
+          <p:cNvPr id="31" name="Rectangle 30">
+            <a:extLst>
+              <a:ext uri="{FF2B5EF4-FFF2-40B4-BE49-F238E27FC236}">
+                <a16:creationId xmlns:a16="http://schemas.microsoft.com/office/drawing/2014/main" id="{1E644DE9-8D09-43E2-BA69-F57482CFC93A}"/>
+              </a:ext>
+              <a:ext uri="{C183D7F6-B498-43B3-948B-1728B52AA6E4}">
+                <adec:decorative xmlns:adec="http://schemas.microsoft.com/office/drawing/2017/decorative" val="1"/>
+              </a:ext>
+            </a:extLst>
+          </p:cNvPr>
+          <p:cNvSpPr>
+            <a:spLocks noGrp="1" noRot="1" noChangeAspect="1" noMove="1" noResize="1" noEditPoints="1" noAdjustHandles="1" noChangeArrowheads="1" noChangeShapeType="1" noTextEdit="1"/>
+          </p:cNvSpPr>
+          <p:nvPr>
+            <p:extLst>
+              <p:ext uri="{386F3935-93C4-4BCD-93E2-E3B085C9AB24}">
+                <p16:designElem xmlns:p16="http://schemas.microsoft.com/office/powerpoint/2015/main" val="1"/>
+              </p:ext>
+            </p:extLst>
+          </p:nvPr>
+        </p:nvSpPr>
+        <p:spPr>
+          <a:xfrm>
+            <a:off x="0" y="0"/>
+            <a:ext cx="12188952" cy="6858000"/>
+          </a:xfrm>
+          <a:prstGeom prst="rect">
+            <a:avLst/>
+          </a:prstGeom>
+          <a:ln>
+            <a:noFill/>
+          </a:ln>
+        </p:spPr>
+        <p:style>
+          <a:lnRef idx="2">
+            <a:schemeClr val="accent1">
+              <a:shade val="50000"/>
+            </a:schemeClr>
+          </a:lnRef>
+          <a:fillRef idx="1">
+            <a:schemeClr val="accent1"/>
+          </a:fillRef>
+          <a:effectRef idx="0">
+            <a:schemeClr val="accent1"/>
+          </a:effectRef>
+          <a:fontRef idx="minor">
+            <a:schemeClr val="lt1"/>
+          </a:fontRef>
+        </p:style>
+        <p:txBody>
+          <a:bodyPr rtlCol="0" anchor="ctr"/>
+          <a:lstStyle/>
+          <a:p>
+            <a:pPr algn="ctr"/>
+            <a:endParaRPr lang="en-US" dirty="0">
+              <a:solidFill>
+                <a:schemeClr val="tx1">
+                  <a:lumMod val="65000"/>
+                  <a:lumOff val="35000"/>
+                </a:schemeClr>
+              </a:solidFill>
+              <a:latin typeface="AvenirNext LT Pro Medium" panose="020B0504020202020204" pitchFamily="34" charset="0"/>
+            </a:endParaRPr>
+          </a:p>
+        </p:txBody>
+      </p:sp>
+      <p:sp>
+        <p:nvSpPr>
+          <p:cNvPr id="33" name="Rectangle 32">
+            <a:extLst>
+              <a:ext uri="{FF2B5EF4-FFF2-40B4-BE49-F238E27FC236}">
+                <a16:creationId xmlns:a16="http://schemas.microsoft.com/office/drawing/2014/main" id="{6C23C919-B32E-40FF-B3D8-631316E84E3E}"/>
+              </a:ext>
+              <a:ext uri="{C183D7F6-B498-43B3-948B-1728B52AA6E4}">
+                <adec:decorative xmlns:adec="http://schemas.microsoft.com/office/drawing/2017/decorative" val="1"/>
+              </a:ext>
+            </a:extLst>
+          </p:cNvPr>
+          <p:cNvSpPr>
+            <a:spLocks noGrp="1" noRot="1" noChangeAspect="1" noMove="1" noResize="1" noEditPoints="1" noAdjustHandles="1" noChangeArrowheads="1" noChangeShapeType="1" noTextEdit="1"/>
+          </p:cNvSpPr>
+          <p:nvPr>
+            <p:extLst>
+              <p:ext uri="{386F3935-93C4-4BCD-93E2-E3B085C9AB24}">
+                <p16:designElem xmlns:p16="http://schemas.microsoft.com/office/powerpoint/2015/main" val="1"/>
+              </p:ext>
+            </p:extLst>
+          </p:nvPr>
+        </p:nvSpPr>
+        <p:spPr>
+          <a:xfrm>
+            <a:off x="0" y="0"/>
+            <a:ext cx="12192000" cy="6858000"/>
+          </a:xfrm>
+          <a:prstGeom prst="rect">
+            <a:avLst/>
+          </a:prstGeom>
+          <a:solidFill>
+            <a:srgbClr val="000000"/>
+          </a:solidFill>
+          <a:ln>
+            <a:noFill/>
+          </a:ln>
+        </p:spPr>
+        <p:style>
+          <a:lnRef idx="2">
+            <a:schemeClr val="accent1">
+              <a:shade val="50000"/>
+            </a:schemeClr>
+          </a:lnRef>
+          <a:fillRef idx="1">
+            <a:schemeClr val="accent1"/>
+          </a:fillRef>
+          <a:effectRef idx="0">
+            <a:schemeClr val="accent1"/>
+          </a:effectRef>
+          <a:fontRef idx="minor">
+            <a:schemeClr val="lt1"/>
+          </a:fontRef>
+        </p:style>
+        <p:txBody>
+          <a:bodyPr rtlCol="0" anchor="ctr"/>
+          <a:lstStyle/>
+          <a:p>
+            <a:pPr algn="ctr"/>
+            <a:endParaRPr lang="en-US" dirty="0">
+              <a:solidFill>
+                <a:schemeClr val="tx1">
+                  <a:lumMod val="65000"/>
+                  <a:lumOff val="35000"/>
+                </a:schemeClr>
+              </a:solidFill>
+              <a:latin typeface="AvenirNext LT Pro Medium" panose="020B0504020202020204" pitchFamily="34" charset="0"/>
+            </a:endParaRPr>
+          </a:p>
+        </p:txBody>
+      </p:sp>
+      <p:pic>
+        <p:nvPicPr>
+          <p:cNvPr id="4" name="Picture 3" descr="Graphique financier sur arrière-plan flou avec fuites de lumière">
+            <a:extLst>
+              <a:ext uri="{FF2B5EF4-FFF2-40B4-BE49-F238E27FC236}">
+                <a16:creationId xmlns:a16="http://schemas.microsoft.com/office/drawing/2014/main" id="{4E4E4B81-7926-4109-850C-54D0F498586E}"/>
+              </a:ext>
+            </a:extLst>
+          </p:cNvPr>
+          <p:cNvPicPr>
+            <a:picLocks noChangeAspect="1"/>
+          </p:cNvPicPr>
+          <p:nvPr/>
+        </p:nvPicPr>
+        <p:blipFill rotWithShape="1">
+          <a:blip r:embed="rId2">
+            <a:alphaModFix amt="60000"/>
+          </a:blip>
+          <a:srcRect t="14285" b="2706"/>
+          <a:stretch/>
+        </p:blipFill>
+        <p:spPr>
+          <a:xfrm>
+            <a:off x="-3048" y="1386"/>
+            <a:ext cx="12191980" cy="6856614"/>
+          </a:xfrm>
+          <a:prstGeom prst="rect">
+            <a:avLst/>
+          </a:prstGeom>
+        </p:spPr>
+      </p:pic>
+      <p:sp>
+        <p:nvSpPr>
+          <p:cNvPr id="2" name="ZoneTexte 1">
+            <a:extLst>
+              <a:ext uri="{FF2B5EF4-FFF2-40B4-BE49-F238E27FC236}">
+                <a16:creationId xmlns:a16="http://schemas.microsoft.com/office/drawing/2014/main" id="{E325EEB2-A8DE-45A0-980B-45603BF3FCC8}"/>
+              </a:ext>
+            </a:extLst>
+          </p:cNvPr>
+          <p:cNvSpPr txBox="1"/>
+          <p:nvPr/>
+        </p:nvSpPr>
+        <p:spPr>
+          <a:xfrm>
+            <a:off x="575035" y="452487"/>
+            <a:ext cx="10972800" cy="584775"/>
+          </a:xfrm>
+          <a:prstGeom prst="rect">
+            <a:avLst/>
+          </a:prstGeom>
+          <a:noFill/>
+        </p:spPr>
+        <p:txBody>
+          <a:bodyPr wrap="square" rtlCol="0">
+            <a:spAutoFit/>
+          </a:bodyPr>
+          <a:lstStyle/>
+          <a:p>
+            <a:pPr algn="ctr"/>
+            <a:r>
+              <a:rPr lang="fr-FR" sz="3200" b="1" dirty="0">
+                <a:solidFill>
+                  <a:schemeClr val="bg1"/>
+                </a:solidFill>
+              </a:rPr>
+              <a:t>Corrélation des ventes </a:t>
+            </a:r>
+          </a:p>
+        </p:txBody>
+      </p:sp>
+      <p:pic>
+        <p:nvPicPr>
+          <p:cNvPr id="3" name="Image 2">
+            <a:extLst>
+              <a:ext uri="{FF2B5EF4-FFF2-40B4-BE49-F238E27FC236}">
+                <a16:creationId xmlns:a16="http://schemas.microsoft.com/office/drawing/2014/main" id="{375541A9-8D41-45BE-AF3E-6DACADAB9619}"/>
+              </a:ext>
+            </a:extLst>
+          </p:cNvPr>
+          <p:cNvPicPr>
+            <a:picLocks noChangeAspect="1"/>
+          </p:cNvPicPr>
+          <p:nvPr/>
+        </p:nvPicPr>
+        <p:blipFill>
+          <a:blip r:embed="rId3"/>
+          <a:stretch>
+            <a:fillRect/>
+          </a:stretch>
+        </p:blipFill>
+        <p:spPr>
+          <a:xfrm>
+            <a:off x="226193" y="1136338"/>
+            <a:ext cx="5665560" cy="5638387"/>
+          </a:xfrm>
+          <a:prstGeom prst="rect">
+            <a:avLst/>
+          </a:prstGeom>
+          <a:solidFill>
+            <a:schemeClr val="bg1"/>
+          </a:solidFill>
+        </p:spPr>
+      </p:pic>
+      <p:sp>
+        <p:nvSpPr>
+          <p:cNvPr id="5" name="ZoneTexte 4">
+            <a:extLst>
+              <a:ext uri="{FF2B5EF4-FFF2-40B4-BE49-F238E27FC236}">
+                <a16:creationId xmlns:a16="http://schemas.microsoft.com/office/drawing/2014/main" id="{FA215418-68F5-41A3-9702-CA111CC1A890}"/>
+              </a:ext>
+            </a:extLst>
+          </p:cNvPr>
+          <p:cNvSpPr txBox="1"/>
+          <p:nvPr/>
+        </p:nvSpPr>
+        <p:spPr>
+          <a:xfrm>
+            <a:off x="6096000" y="1263192"/>
+            <a:ext cx="5665560" cy="2554545"/>
+          </a:xfrm>
+          <a:prstGeom prst="rect">
+            <a:avLst/>
+          </a:prstGeom>
+          <a:noFill/>
+        </p:spPr>
+        <p:txBody>
+          <a:bodyPr wrap="square" rtlCol="0">
+            <a:spAutoFit/>
+          </a:bodyPr>
+          <a:lstStyle/>
+          <a:p>
+            <a:r>
+              <a:rPr lang="fr-FR" sz="3200" dirty="0">
+                <a:solidFill>
+                  <a:schemeClr val="bg1"/>
+                </a:solidFill>
+              </a:rPr>
+              <a:t>La heatmap met en évidence la corrélation des ventes de jeu vidéo en Amérique du Nord, en Europe, au Japon et des autres ventes.</a:t>
+            </a:r>
+          </a:p>
+        </p:txBody>
+      </p:sp>
+    </p:spTree>
+    <p:extLst>
+      <p:ext uri="{BB962C8B-B14F-4D97-AF65-F5344CB8AC3E}">
+        <p14:creationId xmlns:p14="http://schemas.microsoft.com/office/powerpoint/2010/main" val="710879516"/>
+      </p:ext>
+    </p:extLst>
+  </p:cSld>
+  <p:clrMapOvr>
+    <a:masterClrMapping/>
+  </p:clrMapOvr>
+</p:sld>
+</file>
+
+<file path=ppt/slides/slide8.xml><?xml version="1.0" encoding="utf-8"?>
+<p:sld xmlns:a="http://schemas.openxmlformats.org/drawingml/2006/main" xmlns:r="http://schemas.openxmlformats.org/officeDocument/2006/relationships" xmlns:p="http://schemas.openxmlformats.org/presentationml/2006/main">
+  <p:cSld>
+    <p:bg>
+      <p:bgPr>
+        <a:solidFill>
+          <a:schemeClr val="bg1"/>
+        </a:solidFill>
+        <a:effectLst/>
+      </p:bgPr>
+    </p:bg>
+    <p:spTree>
+      <p:nvGrpSpPr>
+        <p:cNvPr id="1" name=""/>
+        <p:cNvGrpSpPr/>
+        <p:nvPr/>
+      </p:nvGrpSpPr>
+      <p:grpSpPr>
+        <a:xfrm>
+          <a:off x="0" y="0"/>
+          <a:ext cx="0" cy="0"/>
+          <a:chOff x="0" y="0"/>
+          <a:chExt cx="0" cy="0"/>
+        </a:xfrm>
+      </p:grpSpPr>
+      <p:sp useBgFill="1">
+        <p:nvSpPr>
+          <p:cNvPr id="31" name="Rectangle 30">
+            <a:extLst>
+              <a:ext uri="{FF2B5EF4-FFF2-40B4-BE49-F238E27FC236}">
+                <a16:creationId xmlns:a16="http://schemas.microsoft.com/office/drawing/2014/main" id="{1E644DE9-8D09-43E2-BA69-F57482CFC93A}"/>
+              </a:ext>
+              <a:ext uri="{C183D7F6-B498-43B3-948B-1728B52AA6E4}">
+                <adec:decorative xmlns:adec="http://schemas.microsoft.com/office/drawing/2017/decorative" val="1"/>
+              </a:ext>
+            </a:extLst>
+          </p:cNvPr>
+          <p:cNvSpPr>
+            <a:spLocks noGrp="1" noRot="1" noChangeAspect="1" noMove="1" noResize="1" noEditPoints="1" noAdjustHandles="1" noChangeArrowheads="1" noChangeShapeType="1" noTextEdit="1"/>
+          </p:cNvSpPr>
+          <p:nvPr>
+            <p:extLst>
+              <p:ext uri="{386F3935-93C4-4BCD-93E2-E3B085C9AB24}">
+                <p16:designElem xmlns:p16="http://schemas.microsoft.com/office/powerpoint/2015/main" val="1"/>
+              </p:ext>
+            </p:extLst>
+          </p:nvPr>
+        </p:nvSpPr>
+        <p:spPr>
+          <a:xfrm>
+            <a:off x="0" y="0"/>
+            <a:ext cx="12188952" cy="6858000"/>
+          </a:xfrm>
+          <a:prstGeom prst="rect">
+            <a:avLst/>
+          </a:prstGeom>
+          <a:ln>
+            <a:noFill/>
+          </a:ln>
+        </p:spPr>
+        <p:style>
+          <a:lnRef idx="2">
+            <a:schemeClr val="accent1">
+              <a:shade val="50000"/>
+            </a:schemeClr>
+          </a:lnRef>
+          <a:fillRef idx="1">
+            <a:schemeClr val="accent1"/>
+          </a:fillRef>
+          <a:effectRef idx="0">
+            <a:schemeClr val="accent1"/>
+          </a:effectRef>
+          <a:fontRef idx="minor">
+            <a:schemeClr val="lt1"/>
+          </a:fontRef>
+        </p:style>
+        <p:txBody>
+          <a:bodyPr rtlCol="0" anchor="ctr"/>
+          <a:lstStyle/>
+          <a:p>
+            <a:pPr algn="ctr"/>
+            <a:endParaRPr lang="en-US" dirty="0">
+              <a:solidFill>
+                <a:schemeClr val="tx1">
+                  <a:lumMod val="65000"/>
+                  <a:lumOff val="35000"/>
+                </a:schemeClr>
+              </a:solidFill>
+              <a:latin typeface="AvenirNext LT Pro Medium" panose="020B0504020202020204" pitchFamily="34" charset="0"/>
+            </a:endParaRPr>
+          </a:p>
+        </p:txBody>
+      </p:sp>
+      <p:sp>
+        <p:nvSpPr>
+          <p:cNvPr id="33" name="Rectangle 32">
+            <a:extLst>
+              <a:ext uri="{FF2B5EF4-FFF2-40B4-BE49-F238E27FC236}">
+                <a16:creationId xmlns:a16="http://schemas.microsoft.com/office/drawing/2014/main" id="{6C23C919-B32E-40FF-B3D8-631316E84E3E}"/>
+              </a:ext>
+              <a:ext uri="{C183D7F6-B498-43B3-948B-1728B52AA6E4}">
+                <adec:decorative xmlns:adec="http://schemas.microsoft.com/office/drawing/2017/decorative" val="1"/>
+              </a:ext>
+            </a:extLst>
+          </p:cNvPr>
+          <p:cNvSpPr>
+            <a:spLocks noGrp="1" noRot="1" noChangeAspect="1" noMove="1" noResize="1" noEditPoints="1" noAdjustHandles="1" noChangeArrowheads="1" noChangeShapeType="1" noTextEdit="1"/>
+          </p:cNvSpPr>
+          <p:nvPr>
+            <p:extLst>
+              <p:ext uri="{386F3935-93C4-4BCD-93E2-E3B085C9AB24}">
+                <p16:designElem xmlns:p16="http://schemas.microsoft.com/office/powerpoint/2015/main" val="1"/>
+              </p:ext>
+            </p:extLst>
+          </p:nvPr>
+        </p:nvSpPr>
+        <p:spPr>
+          <a:xfrm>
+            <a:off x="0" y="0"/>
+            <a:ext cx="12192000" cy="6858000"/>
+          </a:xfrm>
+          <a:prstGeom prst="rect">
+            <a:avLst/>
+          </a:prstGeom>
+          <a:solidFill>
+            <a:srgbClr val="000000"/>
+          </a:solidFill>
+          <a:ln>
+            <a:noFill/>
+          </a:ln>
+        </p:spPr>
+        <p:style>
+          <a:lnRef idx="2">
+            <a:schemeClr val="accent1">
+              <a:shade val="50000"/>
+            </a:schemeClr>
+          </a:lnRef>
+          <a:fillRef idx="1">
+            <a:schemeClr val="accent1"/>
+          </a:fillRef>
+          <a:effectRef idx="0">
+            <a:schemeClr val="accent1"/>
+          </a:effectRef>
+          <a:fontRef idx="minor">
+            <a:schemeClr val="lt1"/>
+          </a:fontRef>
+        </p:style>
+        <p:txBody>
+          <a:bodyPr rtlCol="0" anchor="ctr"/>
+          <a:lstStyle/>
+          <a:p>
+            <a:pPr algn="ctr"/>
+            <a:endParaRPr lang="en-US" dirty="0">
+              <a:solidFill>
+                <a:schemeClr val="tx1">
+                  <a:lumMod val="65000"/>
+                  <a:lumOff val="35000"/>
+                </a:schemeClr>
+              </a:solidFill>
+              <a:latin typeface="AvenirNext LT Pro Medium" panose="020B0504020202020204" pitchFamily="34" charset="0"/>
+            </a:endParaRPr>
+          </a:p>
+        </p:txBody>
+      </p:sp>
+      <p:pic>
+        <p:nvPicPr>
+          <p:cNvPr id="4" name="Picture 3" descr="Graphique financier sur arrière-plan flou avec fuites de lumière">
+            <a:extLst>
+              <a:ext uri="{FF2B5EF4-FFF2-40B4-BE49-F238E27FC236}">
+                <a16:creationId xmlns:a16="http://schemas.microsoft.com/office/drawing/2014/main" id="{4E4E4B81-7926-4109-850C-54D0F498586E}"/>
+              </a:ext>
+            </a:extLst>
+          </p:cNvPr>
+          <p:cNvPicPr>
+            <a:picLocks noChangeAspect="1"/>
+          </p:cNvPicPr>
+          <p:nvPr/>
+        </p:nvPicPr>
+        <p:blipFill rotWithShape="1">
+          <a:blip r:embed="rId2">
+            <a:alphaModFix amt="60000"/>
+          </a:blip>
+          <a:srcRect t="14285" b="2706"/>
+          <a:stretch/>
+        </p:blipFill>
+        <p:spPr>
+          <a:xfrm>
+            <a:off x="20" y="1386"/>
+            <a:ext cx="12191980" cy="6856614"/>
+          </a:xfrm>
+          <a:prstGeom prst="rect">
+            <a:avLst/>
+          </a:prstGeom>
+        </p:spPr>
+      </p:pic>
+      <p:sp>
+        <p:nvSpPr>
+          <p:cNvPr id="7" name="ZoneTexte 6">
+            <a:extLst>
+              <a:ext uri="{FF2B5EF4-FFF2-40B4-BE49-F238E27FC236}">
+                <a16:creationId xmlns:a16="http://schemas.microsoft.com/office/drawing/2014/main" id="{BF58F100-6556-49D4-94D9-2504AE5B7347}"/>
+              </a:ext>
+            </a:extLst>
+          </p:cNvPr>
+          <p:cNvSpPr txBox="1"/>
+          <p:nvPr/>
+        </p:nvSpPr>
+        <p:spPr>
+          <a:xfrm>
+            <a:off x="904973" y="556181"/>
+            <a:ext cx="9832157" cy="584775"/>
+          </a:xfrm>
+          <a:prstGeom prst="rect">
+            <a:avLst/>
+          </a:prstGeom>
+          <a:noFill/>
+        </p:spPr>
+        <p:txBody>
+          <a:bodyPr wrap="square" rtlCol="0">
+            <a:spAutoFit/>
+          </a:bodyPr>
+          <a:lstStyle/>
+          <a:p>
+            <a:pPr algn="ctr"/>
+            <a:r>
+              <a:rPr lang="fr-FR" sz="3200" b="1" dirty="0">
+                <a:solidFill>
+                  <a:schemeClr val="bg1"/>
+                </a:solidFill>
+              </a:rPr>
+              <a:t>Vue sur la corrélation des ventes par zone</a:t>
+            </a:r>
+          </a:p>
+        </p:txBody>
+      </p:sp>
+      <p:pic>
+        <p:nvPicPr>
+          <p:cNvPr id="8" name="Image 7">
+            <a:extLst>
+              <a:ext uri="{FF2B5EF4-FFF2-40B4-BE49-F238E27FC236}">
+                <a16:creationId xmlns:a16="http://schemas.microsoft.com/office/drawing/2014/main" id="{CB4328B2-6581-4D3E-8C6F-F07C0BA608A4}"/>
+              </a:ext>
+            </a:extLst>
+          </p:cNvPr>
+          <p:cNvPicPr>
+            <a:picLocks noChangeAspect="1"/>
+          </p:cNvPicPr>
+          <p:nvPr/>
+        </p:nvPicPr>
+        <p:blipFill>
+          <a:blip r:embed="rId3"/>
+          <a:stretch>
+            <a:fillRect/>
+          </a:stretch>
+        </p:blipFill>
+        <p:spPr>
+          <a:xfrm>
+            <a:off x="496929" y="2281800"/>
+            <a:ext cx="3400425" cy="3600450"/>
+          </a:xfrm>
+          <a:prstGeom prst="rect">
+            <a:avLst/>
+          </a:prstGeom>
+          <a:solidFill>
+            <a:schemeClr val="bg1"/>
+          </a:solidFill>
+        </p:spPr>
+      </p:pic>
+      <p:pic>
+        <p:nvPicPr>
+          <p:cNvPr id="9" name="Image 8">
+            <a:extLst>
+              <a:ext uri="{FF2B5EF4-FFF2-40B4-BE49-F238E27FC236}">
+                <a16:creationId xmlns:a16="http://schemas.microsoft.com/office/drawing/2014/main" id="{5A5DBD5F-D776-4288-B9E8-BFE9755CFFF4}"/>
+              </a:ext>
+            </a:extLst>
+          </p:cNvPr>
+          <p:cNvPicPr>
+            <a:picLocks noChangeAspect="1"/>
+          </p:cNvPicPr>
+          <p:nvPr/>
+        </p:nvPicPr>
+        <p:blipFill>
+          <a:blip r:embed="rId4"/>
+          <a:stretch>
+            <a:fillRect/>
+          </a:stretch>
+        </p:blipFill>
+        <p:spPr>
+          <a:xfrm>
+            <a:off x="4394263" y="2291325"/>
+            <a:ext cx="3400425" cy="3590925"/>
+          </a:xfrm>
+          <a:prstGeom prst="rect">
+            <a:avLst/>
+          </a:prstGeom>
+          <a:solidFill>
+            <a:schemeClr val="bg1"/>
+          </a:solidFill>
+        </p:spPr>
+      </p:pic>
+      <p:pic>
+        <p:nvPicPr>
+          <p:cNvPr id="10" name="Image 9">
+            <a:extLst>
+              <a:ext uri="{FF2B5EF4-FFF2-40B4-BE49-F238E27FC236}">
+                <a16:creationId xmlns:a16="http://schemas.microsoft.com/office/drawing/2014/main" id="{732011E1-A5E5-41BC-9EF3-ECCCCADBBEE0}"/>
+              </a:ext>
+            </a:extLst>
+          </p:cNvPr>
+          <p:cNvPicPr>
+            <a:picLocks noChangeAspect="1"/>
+          </p:cNvPicPr>
+          <p:nvPr/>
+        </p:nvPicPr>
+        <p:blipFill>
+          <a:blip r:embed="rId5"/>
+          <a:stretch>
+            <a:fillRect/>
+          </a:stretch>
+        </p:blipFill>
+        <p:spPr>
+          <a:xfrm>
+            <a:off x="8293884" y="2291325"/>
+            <a:ext cx="3400425" cy="3590925"/>
+          </a:xfrm>
+          <a:prstGeom prst="rect">
+            <a:avLst/>
+          </a:prstGeom>
+          <a:solidFill>
+            <a:schemeClr val="bg1"/>
+          </a:solidFill>
+        </p:spPr>
+      </p:pic>
+    </p:spTree>
+    <p:extLst>
+      <p:ext uri="{BB962C8B-B14F-4D97-AF65-F5344CB8AC3E}">
+        <p14:creationId xmlns:p14="http://schemas.microsoft.com/office/powerpoint/2010/main" val="4293496946"/>
+      </p:ext>
+    </p:extLst>
+  </p:cSld>
+  <p:clrMapOvr>
+    <a:masterClrMapping/>
+  </p:clrMapOvr>
+</p:sld>
+</file>
+
+<file path=ppt/slides/slide9.xml><?xml version="1.0" encoding="utf-8"?>
+<p:sld xmlns:a="http://schemas.openxmlformats.org/drawingml/2006/main" xmlns:r="http://schemas.openxmlformats.org/officeDocument/2006/relationships" xmlns:p="http://schemas.openxmlformats.org/presentationml/2006/main">
+  <p:cSld>
+    <p:bg>
+      <p:bgPr>
+        <a:solidFill>
+          <a:schemeClr val="bg1"/>
+        </a:solidFill>
+        <a:effectLst/>
+      </p:bgPr>
+    </p:bg>
+    <p:spTree>
+      <p:nvGrpSpPr>
+        <p:cNvPr id="1" name=""/>
+        <p:cNvGrpSpPr/>
+        <p:nvPr/>
+      </p:nvGrpSpPr>
+      <p:grpSpPr>
+        <a:xfrm>
+          <a:off x="0" y="0"/>
+          <a:ext cx="0" cy="0"/>
+          <a:chOff x="0" y="0"/>
+          <a:chExt cx="0" cy="0"/>
+        </a:xfrm>
+      </p:grpSpPr>
+      <p:sp useBgFill="1">
+        <p:nvSpPr>
+          <p:cNvPr id="31" name="Rectangle 30">
+            <a:extLst>
+              <a:ext uri="{FF2B5EF4-FFF2-40B4-BE49-F238E27FC236}">
+                <a16:creationId xmlns:a16="http://schemas.microsoft.com/office/drawing/2014/main" id="{1E644DE9-8D09-43E2-BA69-F57482CFC93A}"/>
+              </a:ext>
+              <a:ext uri="{C183D7F6-B498-43B3-948B-1728B52AA6E4}">
+                <adec:decorative xmlns:adec="http://schemas.microsoft.com/office/drawing/2017/decorative" val="1"/>
+              </a:ext>
+            </a:extLst>
+          </p:cNvPr>
+          <p:cNvSpPr>
+            <a:spLocks noGrp="1" noRot="1" noChangeAspect="1" noMove="1" noResize="1" noEditPoints="1" noAdjustHandles="1" noChangeArrowheads="1" noChangeShapeType="1" noTextEdit="1"/>
+          </p:cNvSpPr>
+          <p:nvPr>
+            <p:extLst>
+              <p:ext uri="{386F3935-93C4-4BCD-93E2-E3B085C9AB24}">
+                <p16:designElem xmlns:p16="http://schemas.microsoft.com/office/powerpoint/2015/main" val="1"/>
+              </p:ext>
+            </p:extLst>
+          </p:nvPr>
+        </p:nvSpPr>
+        <p:spPr>
+          <a:xfrm>
+            <a:off x="0" y="0"/>
+            <a:ext cx="12188952" cy="6858000"/>
+          </a:xfrm>
+          <a:prstGeom prst="rect">
+            <a:avLst/>
+          </a:prstGeom>
+          <a:ln>
+            <a:noFill/>
+          </a:ln>
+        </p:spPr>
+        <p:style>
+          <a:lnRef idx="2">
+            <a:schemeClr val="accent1">
+              <a:shade val="50000"/>
+            </a:schemeClr>
+          </a:lnRef>
+          <a:fillRef idx="1">
+            <a:schemeClr val="accent1"/>
+          </a:fillRef>
+          <a:effectRef idx="0">
+            <a:schemeClr val="accent1"/>
+          </a:effectRef>
+          <a:fontRef idx="minor">
+            <a:schemeClr val="lt1"/>
+          </a:fontRef>
+        </p:style>
+        <p:txBody>
+          <a:bodyPr rtlCol="0" anchor="ctr"/>
+          <a:lstStyle/>
+          <a:p>
+            <a:pPr algn="ctr"/>
+            <a:endParaRPr lang="en-US" dirty="0">
+              <a:solidFill>
+                <a:schemeClr val="tx1">
+                  <a:lumMod val="65000"/>
+                  <a:lumOff val="35000"/>
+                </a:schemeClr>
+              </a:solidFill>
+              <a:latin typeface="AvenirNext LT Pro Medium" panose="020B0504020202020204" pitchFamily="34" charset="0"/>
+            </a:endParaRPr>
+          </a:p>
+        </p:txBody>
+      </p:sp>
+      <p:sp>
+        <p:nvSpPr>
+          <p:cNvPr id="33" name="Rectangle 32">
+            <a:extLst>
+              <a:ext uri="{FF2B5EF4-FFF2-40B4-BE49-F238E27FC236}">
+                <a16:creationId xmlns:a16="http://schemas.microsoft.com/office/drawing/2014/main" id="{6C23C919-B32E-40FF-B3D8-631316E84E3E}"/>
+              </a:ext>
+              <a:ext uri="{C183D7F6-B498-43B3-948B-1728B52AA6E4}">
+                <adec:decorative xmlns:adec="http://schemas.microsoft.com/office/drawing/2017/decorative" val="1"/>
+              </a:ext>
+            </a:extLst>
+          </p:cNvPr>
+          <p:cNvSpPr>
+            <a:spLocks noGrp="1" noRot="1" noChangeAspect="1" noMove="1" noResize="1" noEditPoints="1" noAdjustHandles="1" noChangeArrowheads="1" noChangeShapeType="1" noTextEdit="1"/>
+          </p:cNvSpPr>
+          <p:nvPr>
+            <p:extLst>
+              <p:ext uri="{386F3935-93C4-4BCD-93E2-E3B085C9AB24}">
+                <p16:designElem xmlns:p16="http://schemas.microsoft.com/office/powerpoint/2015/main" val="1"/>
+              </p:ext>
+            </p:extLst>
+          </p:nvPr>
+        </p:nvSpPr>
+        <p:spPr>
+          <a:xfrm>
+            <a:off x="0" y="0"/>
+            <a:ext cx="12192000" cy="6858000"/>
+          </a:xfrm>
+          <a:prstGeom prst="rect">
+            <a:avLst/>
+          </a:prstGeom>
+          <a:solidFill>
+            <a:srgbClr val="000000"/>
+          </a:solidFill>
+          <a:ln>
+            <a:noFill/>
+          </a:ln>
+        </p:spPr>
+        <p:style>
+          <a:lnRef idx="2">
+            <a:schemeClr val="accent1">
+              <a:shade val="50000"/>
+            </a:schemeClr>
+          </a:lnRef>
+          <a:fillRef idx="1">
+            <a:schemeClr val="accent1"/>
+          </a:fillRef>
+          <a:effectRef idx="0">
+            <a:schemeClr val="accent1"/>
+          </a:effectRef>
+          <a:fontRef idx="minor">
+            <a:schemeClr val="lt1"/>
+          </a:fontRef>
+        </p:style>
+        <p:txBody>
+          <a:bodyPr rtlCol="0" anchor="ctr"/>
+          <a:lstStyle/>
+          <a:p>
+            <a:pPr algn="ctr"/>
+            <a:endParaRPr lang="en-US" dirty="0">
+              <a:solidFill>
+                <a:schemeClr val="tx1">
+                  <a:lumMod val="65000"/>
+                  <a:lumOff val="35000"/>
+                </a:schemeClr>
+              </a:solidFill>
+              <a:latin typeface="AvenirNext LT Pro Medium" panose="020B0504020202020204" pitchFamily="34" charset="0"/>
+            </a:endParaRPr>
+          </a:p>
+        </p:txBody>
+      </p:sp>
+      <p:pic>
+        <p:nvPicPr>
+          <p:cNvPr id="4" name="Picture 3" descr="Graphique financier sur arrière-plan flou avec fuites de lumière">
+            <a:extLst>
+              <a:ext uri="{FF2B5EF4-FFF2-40B4-BE49-F238E27FC236}">
+                <a16:creationId xmlns:a16="http://schemas.microsoft.com/office/drawing/2014/main" id="{4E4E4B81-7926-4109-850C-54D0F498586E}"/>
+              </a:ext>
+            </a:extLst>
+          </p:cNvPr>
+          <p:cNvPicPr>
+            <a:picLocks noChangeAspect="1"/>
+          </p:cNvPicPr>
+          <p:nvPr/>
+        </p:nvPicPr>
+        <p:blipFill rotWithShape="1">
+          <a:blip r:embed="rId2">
+            <a:alphaModFix amt="60000"/>
+          </a:blip>
+          <a:srcRect t="14285" b="2706"/>
+          <a:stretch/>
+        </p:blipFill>
+        <p:spPr>
+          <a:xfrm>
+            <a:off x="-3048" y="1386"/>
+            <a:ext cx="12191980" cy="6856614"/>
+          </a:xfrm>
+          <a:prstGeom prst="rect">
+            <a:avLst/>
+          </a:prstGeom>
+        </p:spPr>
+      </p:pic>
+      <p:sp>
+        <p:nvSpPr>
+          <p:cNvPr id="2" name="ZoneTexte 1">
+            <a:extLst>
+              <a:ext uri="{FF2B5EF4-FFF2-40B4-BE49-F238E27FC236}">
+                <a16:creationId xmlns:a16="http://schemas.microsoft.com/office/drawing/2014/main" id="{E325EEB2-A8DE-45A0-980B-45603BF3FCC8}"/>
+              </a:ext>
+            </a:extLst>
+          </p:cNvPr>
+          <p:cNvSpPr txBox="1"/>
+          <p:nvPr/>
+        </p:nvSpPr>
+        <p:spPr>
+          <a:xfrm>
+            <a:off x="575035" y="452487"/>
+            <a:ext cx="10972800" cy="584775"/>
+          </a:xfrm>
+          <a:prstGeom prst="rect">
+            <a:avLst/>
+          </a:prstGeom>
+          <a:noFill/>
+        </p:spPr>
+        <p:txBody>
+          <a:bodyPr wrap="square" rtlCol="0">
+            <a:spAutoFit/>
+          </a:bodyPr>
+          <a:lstStyle/>
+          <a:p>
+            <a:pPr algn="ctr"/>
+            <a:r>
+              <a:rPr lang="fr-FR" sz="3200" b="1" dirty="0">
+                <a:solidFill>
+                  <a:schemeClr val="bg1"/>
+                </a:solidFill>
+              </a:rPr>
+              <a:t>Conclusion et Perspectives</a:t>
+            </a:r>
+          </a:p>
+        </p:txBody>
+      </p:sp>
+      <p:sp>
+        <p:nvSpPr>
+          <p:cNvPr id="5" name="ZoneTexte 4">
+            <a:extLst>
+              <a:ext uri="{FF2B5EF4-FFF2-40B4-BE49-F238E27FC236}">
+                <a16:creationId xmlns:a16="http://schemas.microsoft.com/office/drawing/2014/main" id="{FA215418-68F5-41A3-9702-CA111CC1A890}"/>
+              </a:ext>
+            </a:extLst>
+          </p:cNvPr>
+          <p:cNvSpPr txBox="1"/>
+          <p:nvPr/>
+        </p:nvSpPr>
+        <p:spPr>
+          <a:xfrm>
+            <a:off x="499621" y="1263192"/>
+            <a:ext cx="11261939" cy="3970318"/>
+          </a:xfrm>
+          <a:prstGeom prst="rect">
+            <a:avLst/>
+          </a:prstGeom>
+          <a:noFill/>
+        </p:spPr>
+        <p:txBody>
+          <a:bodyPr wrap="square" rtlCol="0">
+            <a:spAutoFit/>
+          </a:bodyPr>
+          <a:lstStyle/>
+          <a:p>
+            <a:r>
+              <a:rPr lang="fr-FR" sz="2800" dirty="0">
+                <a:solidFill>
+                  <a:schemeClr val="bg1"/>
+                </a:solidFill>
+              </a:rPr>
+              <a:t>Pour une entreprise de jeu vidéo s’implantant sur le marché actuel nous avons pu déduire de l’analyse des données récentes, : les plateformes à cibler, le genre de jeu à cibler et également quels sont les zones qui consomment le plus de jeu vidéo et où il faut donc essayer de vendre ses jeux.</a:t>
+            </a:r>
+          </a:p>
+          <a:p>
+            <a:endParaRPr lang="fr-FR" sz="2800" dirty="0">
+              <a:solidFill>
+                <a:schemeClr val="bg1"/>
+              </a:solidFill>
+            </a:endParaRPr>
+          </a:p>
+          <a:p>
+            <a:r>
+              <a:rPr lang="fr-FR" sz="2800" dirty="0">
+                <a:solidFill>
+                  <a:schemeClr val="bg1"/>
+                </a:solidFill>
+              </a:rPr>
+              <a:t>Afin d’affiner encore plus cette étude du marché actuel du jeu vidéo, il serait intéressant d’actualiser les données et de recueillir des sondages pertinents auprès des consommateurs.</a:t>
+            </a:r>
+          </a:p>
+        </p:txBody>
+      </p:sp>
+    </p:spTree>
+    <p:extLst>
+      <p:ext uri="{BB962C8B-B14F-4D97-AF65-F5344CB8AC3E}">
+        <p14:creationId xmlns:p14="http://schemas.microsoft.com/office/powerpoint/2010/main" val="645471869"/>
+      </p:ext>
+    </p:extLst>
+  </p:cSld>
+  <p:clrMapOvr>
+    <a:masterClrMapping/>
+  </p:clrMapOvr>
 </p:sld>
 </file>
 
@@ -5149,4 +7584,299 @@
     </a:ext>
   </a:extLst>
 </a:theme>
+</file>
+
+<file path=ppt/theme/theme2.xml><?xml version="1.0" encoding="utf-8"?>
+<a:theme xmlns:a="http://schemas.openxmlformats.org/drawingml/2006/main" name="Thème Office">
+  <a:themeElements>
+    <a:clrScheme name="Office">
+      <a:dk1>
+        <a:sysClr val="windowText" lastClr="000000"/>
+      </a:dk1>
+      <a:lt1>
+        <a:sysClr val="window" lastClr="FFFFFF"/>
+      </a:lt1>
+      <a:dk2>
+        <a:srgbClr val="44546A"/>
+      </a:dk2>
+      <a:lt2>
+        <a:srgbClr val="E7E6E6"/>
+      </a:lt2>
+      <a:accent1>
+        <a:srgbClr val="4472C4"/>
+      </a:accent1>
+      <a:accent2>
+        <a:srgbClr val="ED7D31"/>
+      </a:accent2>
+      <a:accent3>
+        <a:srgbClr val="A5A5A5"/>
+      </a:accent3>
+      <a:accent4>
+        <a:srgbClr val="FFC000"/>
+      </a:accent4>
+      <a:accent5>
+        <a:srgbClr val="5B9BD5"/>
+      </a:accent5>
+      <a:accent6>
+        <a:srgbClr val="70AD47"/>
+      </a:accent6>
+      <a:hlink>
+        <a:srgbClr val="0563C1"/>
+      </a:hlink>
+      <a:folHlink>
+        <a:srgbClr val="954F72"/>
+      </a:folHlink>
+    </a:clrScheme>
+    <a:fontScheme name="Office">
+      <a:majorFont>
+        <a:latin typeface="Calibri Light" panose="020F0302020204030204"/>
+        <a:ea typeface=""/>
+        <a:cs typeface=""/>
+        <a:font script="Jpan" typeface="游ゴシック Light"/>
+        <a:font script="Hang" typeface="맑은 고딕"/>
+        <a:font script="Hans" typeface="等线 Light"/>
+        <a:font script="Hant" typeface="新細明體"/>
+        <a:font script="Arab" typeface="Times New Roman"/>
+        <a:font script="Hebr" typeface="Times New Roman"/>
+        <a:font script="Thai" typeface="Angsana New"/>
+        <a:font script="Ethi" typeface="Nyala"/>
+        <a:font script="Beng" typeface="Vrinda"/>
+        <a:font script="Gujr" typeface="Shruti"/>
+        <a:font script="Khmr" typeface="MoolBoran"/>
+        <a:font script="Knda" typeface="Tunga"/>
+        <a:font script="Guru" typeface="Raavi"/>
+        <a:font script="Cans" typeface="Euphemia"/>
+        <a:font script="Cher" typeface="Plantagenet Cherokee"/>
+        <a:font script="Yiii" typeface="Microsoft Yi Baiti"/>
+        <a:font script="Tibt" typeface="Microsoft Himalaya"/>
+        <a:font script="Thaa" typeface="MV Boli"/>
+        <a:font script="Deva" typeface="Mangal"/>
+        <a:font script="Telu" typeface="Gautami"/>
+        <a:font script="Taml" typeface="Latha"/>
+        <a:font script="Syrc" typeface="Estrangelo Edessa"/>
+        <a:font script="Orya" typeface="Kalinga"/>
+        <a:font script="Mlym" typeface="Kartika"/>
+        <a:font script="Laoo" typeface="DokChampa"/>
+        <a:font script="Sinh" typeface="Iskoola Pota"/>
+        <a:font script="Mong" typeface="Mongolian Baiti"/>
+        <a:font script="Viet" typeface="Times New Roman"/>
+        <a:font script="Uigh" typeface="Microsoft Uighur"/>
+        <a:font script="Geor" typeface="Sylfaen"/>
+        <a:font script="Armn" typeface="Arial"/>
+        <a:font script="Bugi" typeface="Leelawadee UI"/>
+        <a:font script="Bopo" typeface="Microsoft JhengHei"/>
+        <a:font script="Java" typeface="Javanese Text"/>
+        <a:font script="Lisu" typeface="Segoe UI"/>
+        <a:font script="Mymr" typeface="Myanmar Text"/>
+        <a:font script="Nkoo" typeface="Ebrima"/>
+        <a:font script="Olck" typeface="Nirmala UI"/>
+        <a:font script="Osma" typeface="Ebrima"/>
+        <a:font script="Phag" typeface="Phagspa"/>
+        <a:font script="Syrn" typeface="Estrangelo Edessa"/>
+        <a:font script="Syrj" typeface="Estrangelo Edessa"/>
+        <a:font script="Syre" typeface="Estrangelo Edessa"/>
+        <a:font script="Sora" typeface="Nirmala UI"/>
+        <a:font script="Tale" typeface="Microsoft Tai Le"/>
+        <a:font script="Talu" typeface="Microsoft New Tai Lue"/>
+        <a:font script="Tfng" typeface="Ebrima"/>
+      </a:majorFont>
+      <a:minorFont>
+        <a:latin typeface="Calibri" panose="020F0502020204030204"/>
+        <a:ea typeface=""/>
+        <a:cs typeface=""/>
+        <a:font script="Jpan" typeface="游ゴシック"/>
+        <a:font script="Hang" typeface="맑은 고딕"/>
+        <a:font script="Hans" typeface="等线"/>
+        <a:font script="Hant" typeface="新細明體"/>
+        <a:font script="Arab" typeface="Arial"/>
+        <a:font script="Hebr" typeface="Arial"/>
+        <a:font script="Thai" typeface="Cordia New"/>
+        <a:font script="Ethi" typeface="Nyala"/>
+        <a:font script="Beng" typeface="Vrinda"/>
+        <a:font script="Gujr" typeface="Shruti"/>
+        <a:font script="Khmr" typeface="DaunPenh"/>
+        <a:font script="Knda" typeface="Tunga"/>
+        <a:font script="Guru" typeface="Raavi"/>
+        <a:font script="Cans" typeface="Euphemia"/>
+        <a:font script="Cher" typeface="Plantagenet Cherokee"/>
+        <a:font script="Yiii" typeface="Microsoft Yi Baiti"/>
+        <a:font script="Tibt" typeface="Microsoft Himalaya"/>
+        <a:font script="Thaa" typeface="MV Boli"/>
+        <a:font script="Deva" typeface="Mangal"/>
+        <a:font script="Telu" typeface="Gautami"/>
+        <a:font script="Taml" typeface="Latha"/>
+        <a:font script="Syrc" typeface="Estrangelo Edessa"/>
+        <a:font script="Orya" typeface="Kalinga"/>
+        <a:font script="Mlym" typeface="Kartika"/>
+        <a:font script="Laoo" typeface="DokChampa"/>
+        <a:font script="Sinh" typeface="Iskoola Pota"/>
+        <a:font script="Mong" typeface="Mongolian Baiti"/>
+        <a:font script="Viet" typeface="Arial"/>
+        <a:font script="Uigh" typeface="Microsoft Uighur"/>
+        <a:font script="Geor" typeface="Sylfaen"/>
+        <a:font script="Armn" typeface="Arial"/>
+        <a:font script="Bugi" typeface="Leelawadee UI"/>
+        <a:font script="Bopo" typeface="Microsoft JhengHei"/>
+        <a:font script="Java" typeface="Javanese Text"/>
+        <a:font script="Lisu" typeface="Segoe UI"/>
+        <a:font script="Mymr" typeface="Myanmar Text"/>
+        <a:font script="Nkoo" typeface="Ebrima"/>
+        <a:font script="Olck" typeface="Nirmala UI"/>
+        <a:font script="Osma" typeface="Ebrima"/>
+        <a:font script="Phag" typeface="Phagspa"/>
+        <a:font script="Syrn" typeface="Estrangelo Edessa"/>
+        <a:font script="Syrj" typeface="Estrangelo Edessa"/>
+        <a:font script="Syre" typeface="Estrangelo Edessa"/>
+        <a:font script="Sora" typeface="Nirmala UI"/>
+        <a:font script="Tale" typeface="Microsoft Tai Le"/>
+        <a:font script="Talu" typeface="Microsoft New Tai Lue"/>
+        <a:font script="Tfng" typeface="Ebrima"/>
+      </a:minorFont>
+    </a:fontScheme>
+    <a:fmtScheme name="Office">
+      <a:fillStyleLst>
+        <a:solidFill>
+          <a:schemeClr val="phClr"/>
+        </a:solidFill>
+        <a:gradFill rotWithShape="1">
+          <a:gsLst>
+            <a:gs pos="0">
+              <a:schemeClr val="phClr">
+                <a:lumMod val="110000"/>
+                <a:satMod val="105000"/>
+                <a:tint val="67000"/>
+              </a:schemeClr>
+            </a:gs>
+            <a:gs pos="50000">
+              <a:schemeClr val="phClr">
+                <a:lumMod val="105000"/>
+                <a:satMod val="103000"/>
+                <a:tint val="73000"/>
+              </a:schemeClr>
+            </a:gs>
+            <a:gs pos="100000">
+              <a:schemeClr val="phClr">
+                <a:lumMod val="105000"/>
+                <a:satMod val="109000"/>
+                <a:tint val="81000"/>
+              </a:schemeClr>
+            </a:gs>
+          </a:gsLst>
+          <a:lin ang="5400000" scaled="0"/>
+        </a:gradFill>
+        <a:gradFill rotWithShape="1">
+          <a:gsLst>
+            <a:gs pos="0">
+              <a:schemeClr val="phClr">
+                <a:satMod val="103000"/>
+                <a:lumMod val="102000"/>
+                <a:tint val="94000"/>
+              </a:schemeClr>
+            </a:gs>
+            <a:gs pos="50000">
+              <a:schemeClr val="phClr">
+                <a:satMod val="110000"/>
+                <a:lumMod val="100000"/>
+                <a:shade val="100000"/>
+              </a:schemeClr>
+            </a:gs>
+            <a:gs pos="100000">
+              <a:schemeClr val="phClr">
+                <a:lumMod val="99000"/>
+                <a:satMod val="120000"/>
+                <a:shade val="78000"/>
+              </a:schemeClr>
+            </a:gs>
+          </a:gsLst>
+          <a:lin ang="5400000" scaled="0"/>
+        </a:gradFill>
+      </a:fillStyleLst>
+      <a:lnStyleLst>
+        <a:ln w="6350" cap="flat" cmpd="sng" algn="ctr">
+          <a:solidFill>
+            <a:schemeClr val="phClr"/>
+          </a:solidFill>
+          <a:prstDash val="solid"/>
+          <a:miter lim="800000"/>
+        </a:ln>
+        <a:ln w="12700" cap="flat" cmpd="sng" algn="ctr">
+          <a:solidFill>
+            <a:schemeClr val="phClr"/>
+          </a:solidFill>
+          <a:prstDash val="solid"/>
+          <a:miter lim="800000"/>
+        </a:ln>
+        <a:ln w="19050" cap="flat" cmpd="sng" algn="ctr">
+          <a:solidFill>
+            <a:schemeClr val="phClr"/>
+          </a:solidFill>
+          <a:prstDash val="solid"/>
+          <a:miter lim="800000"/>
+        </a:ln>
+      </a:lnStyleLst>
+      <a:effectStyleLst>
+        <a:effectStyle>
+          <a:effectLst/>
+        </a:effectStyle>
+        <a:effectStyle>
+          <a:effectLst/>
+        </a:effectStyle>
+        <a:effectStyle>
+          <a:effectLst>
+            <a:outerShdw blurRad="57150" dist="19050" dir="5400000" algn="ctr" rotWithShape="0">
+              <a:srgbClr val="000000">
+                <a:alpha val="63000"/>
+              </a:srgbClr>
+            </a:outerShdw>
+          </a:effectLst>
+        </a:effectStyle>
+      </a:effectStyleLst>
+      <a:bgFillStyleLst>
+        <a:solidFill>
+          <a:schemeClr val="phClr"/>
+        </a:solidFill>
+        <a:solidFill>
+          <a:schemeClr val="phClr">
+            <a:tint val="95000"/>
+            <a:satMod val="170000"/>
+          </a:schemeClr>
+        </a:solidFill>
+        <a:gradFill rotWithShape="1">
+          <a:gsLst>
+            <a:gs pos="0">
+              <a:schemeClr val="phClr">
+                <a:tint val="93000"/>
+                <a:satMod val="150000"/>
+                <a:shade val="98000"/>
+                <a:lumMod val="102000"/>
+              </a:schemeClr>
+            </a:gs>
+            <a:gs pos="50000">
+              <a:schemeClr val="phClr">
+                <a:tint val="98000"/>
+                <a:satMod val="130000"/>
+                <a:shade val="90000"/>
+                <a:lumMod val="103000"/>
+              </a:schemeClr>
+            </a:gs>
+            <a:gs pos="100000">
+              <a:schemeClr val="phClr">
+                <a:shade val="63000"/>
+                <a:satMod val="120000"/>
+              </a:schemeClr>
+            </a:gs>
+          </a:gsLst>
+          <a:lin ang="5400000" scaled="0"/>
+        </a:gradFill>
+      </a:bgFillStyleLst>
+    </a:fmtScheme>
+  </a:themeElements>
+  <a:objectDefaults/>
+  <a:extraClrSchemeLst/>
+  <a:extLst>
+    <a:ext uri="{05A4C25C-085E-4340-85A3-A5531E510DB2}">
+      <thm15:themeFamily xmlns:thm15="http://schemas.microsoft.com/office/thememl/2012/main" name="Office Theme" id="{62F939B6-93AF-4DB8-9C6B-D6C7DFDC589F}" vid="{4A3C46E8-61CC-4603-A589-7422A47A8E4A}"/>
+    </a:ext>
+  </a:extLst>
+</a:theme>
 </file>
--- a/salesvg.pptx
+++ b/salesvg.pptx
@@ -5,7 +5,7 @@
     <p:sldMasterId id="2147483699" r:id="rId1"/>
   </p:sldMasterIdLst>
   <p:notesMasterIdLst>
-    <p:notesMasterId r:id="rId11"/>
+    <p:notesMasterId r:id="rId12"/>
   </p:notesMasterIdLst>
   <p:sldIdLst>
     <p:sldId id="256" r:id="rId2"/>
@@ -17,6 +17,7 @@
     <p:sldId id="260" r:id="rId8"/>
     <p:sldId id="264" r:id="rId9"/>
     <p:sldId id="262" r:id="rId10"/>
+    <p:sldId id="265" r:id="rId11"/>
   </p:sldIdLst>
   <p:sldSz cx="12192000" cy="6858000"/>
   <p:notesSz cx="6858000" cy="9144000"/>
@@ -4478,6 +4479,344 @@
 </p:sld>
 </file>
 
+<file path=ppt/slides/slide10.xml><?xml version="1.0" encoding="utf-8"?>
+<p:sld xmlns:a="http://schemas.openxmlformats.org/drawingml/2006/main" xmlns:r="http://schemas.openxmlformats.org/officeDocument/2006/relationships" xmlns:p="http://schemas.openxmlformats.org/presentationml/2006/main">
+  <p:cSld>
+    <p:bg>
+      <p:bgPr>
+        <a:solidFill>
+          <a:schemeClr val="bg1"/>
+        </a:solidFill>
+        <a:effectLst/>
+      </p:bgPr>
+    </p:bg>
+    <p:spTree>
+      <p:nvGrpSpPr>
+        <p:cNvPr id="1" name=""/>
+        <p:cNvGrpSpPr/>
+        <p:nvPr/>
+      </p:nvGrpSpPr>
+      <p:grpSpPr>
+        <a:xfrm>
+          <a:off x="0" y="0"/>
+          <a:ext cx="0" cy="0"/>
+          <a:chOff x="0" y="0"/>
+          <a:chExt cx="0" cy="0"/>
+        </a:xfrm>
+      </p:grpSpPr>
+      <p:sp useBgFill="1">
+        <p:nvSpPr>
+          <p:cNvPr id="31" name="Rectangle 30">
+            <a:extLst>
+              <a:ext uri="{FF2B5EF4-FFF2-40B4-BE49-F238E27FC236}">
+                <a16:creationId xmlns:a16="http://schemas.microsoft.com/office/drawing/2014/main" id="{1E644DE9-8D09-43E2-BA69-F57482CFC93A}"/>
+              </a:ext>
+              <a:ext uri="{C183D7F6-B498-43B3-948B-1728B52AA6E4}">
+                <adec:decorative xmlns:adec="http://schemas.microsoft.com/office/drawing/2017/decorative" val="1"/>
+              </a:ext>
+            </a:extLst>
+          </p:cNvPr>
+          <p:cNvSpPr>
+            <a:spLocks noGrp="1" noRot="1" noChangeAspect="1" noMove="1" noResize="1" noEditPoints="1" noAdjustHandles="1" noChangeArrowheads="1" noChangeShapeType="1" noTextEdit="1"/>
+          </p:cNvSpPr>
+          <p:nvPr>
+            <p:extLst>
+              <p:ext uri="{386F3935-93C4-4BCD-93E2-E3B085C9AB24}">
+                <p16:designElem xmlns:p16="http://schemas.microsoft.com/office/powerpoint/2015/main" val="1"/>
+              </p:ext>
+            </p:extLst>
+          </p:nvPr>
+        </p:nvSpPr>
+        <p:spPr>
+          <a:xfrm>
+            <a:off x="0" y="0"/>
+            <a:ext cx="12188952" cy="6858000"/>
+          </a:xfrm>
+          <a:prstGeom prst="rect">
+            <a:avLst/>
+          </a:prstGeom>
+          <a:ln>
+            <a:noFill/>
+          </a:ln>
+        </p:spPr>
+        <p:style>
+          <a:lnRef idx="2">
+            <a:schemeClr val="accent1">
+              <a:shade val="50000"/>
+            </a:schemeClr>
+          </a:lnRef>
+          <a:fillRef idx="1">
+            <a:schemeClr val="accent1"/>
+          </a:fillRef>
+          <a:effectRef idx="0">
+            <a:schemeClr val="accent1"/>
+          </a:effectRef>
+          <a:fontRef idx="minor">
+            <a:schemeClr val="lt1"/>
+          </a:fontRef>
+        </p:style>
+        <p:txBody>
+          <a:bodyPr rtlCol="0" anchor="ctr"/>
+          <a:lstStyle/>
+          <a:p>
+            <a:pPr algn="ctr"/>
+            <a:endParaRPr lang="en-US" dirty="0">
+              <a:solidFill>
+                <a:schemeClr val="tx1">
+                  <a:lumMod val="65000"/>
+                  <a:lumOff val="35000"/>
+                </a:schemeClr>
+              </a:solidFill>
+              <a:latin typeface="AvenirNext LT Pro Medium" panose="020B0504020202020204" pitchFamily="34" charset="0"/>
+            </a:endParaRPr>
+          </a:p>
+        </p:txBody>
+      </p:sp>
+      <p:sp>
+        <p:nvSpPr>
+          <p:cNvPr id="33" name="Rectangle 32">
+            <a:extLst>
+              <a:ext uri="{FF2B5EF4-FFF2-40B4-BE49-F238E27FC236}">
+                <a16:creationId xmlns:a16="http://schemas.microsoft.com/office/drawing/2014/main" id="{6C23C919-B32E-40FF-B3D8-631316E84E3E}"/>
+              </a:ext>
+              <a:ext uri="{C183D7F6-B498-43B3-948B-1728B52AA6E4}">
+                <adec:decorative xmlns:adec="http://schemas.microsoft.com/office/drawing/2017/decorative" val="1"/>
+              </a:ext>
+            </a:extLst>
+          </p:cNvPr>
+          <p:cNvSpPr>
+            <a:spLocks noGrp="1" noRot="1" noChangeAspect="1" noMove="1" noResize="1" noEditPoints="1" noAdjustHandles="1" noChangeArrowheads="1" noChangeShapeType="1" noTextEdit="1"/>
+          </p:cNvSpPr>
+          <p:nvPr>
+            <p:extLst>
+              <p:ext uri="{386F3935-93C4-4BCD-93E2-E3B085C9AB24}">
+                <p16:designElem xmlns:p16="http://schemas.microsoft.com/office/powerpoint/2015/main" val="1"/>
+              </p:ext>
+            </p:extLst>
+          </p:nvPr>
+        </p:nvSpPr>
+        <p:spPr>
+          <a:xfrm>
+            <a:off x="0" y="0"/>
+            <a:ext cx="12192000" cy="6858000"/>
+          </a:xfrm>
+          <a:prstGeom prst="rect">
+            <a:avLst/>
+          </a:prstGeom>
+          <a:solidFill>
+            <a:srgbClr val="000000"/>
+          </a:solidFill>
+          <a:ln>
+            <a:noFill/>
+          </a:ln>
+        </p:spPr>
+        <p:style>
+          <a:lnRef idx="2">
+            <a:schemeClr val="accent1">
+              <a:shade val="50000"/>
+            </a:schemeClr>
+          </a:lnRef>
+          <a:fillRef idx="1">
+            <a:schemeClr val="accent1"/>
+          </a:fillRef>
+          <a:effectRef idx="0">
+            <a:schemeClr val="accent1"/>
+          </a:effectRef>
+          <a:fontRef idx="minor">
+            <a:schemeClr val="lt1"/>
+          </a:fontRef>
+        </p:style>
+        <p:txBody>
+          <a:bodyPr rtlCol="0" anchor="ctr"/>
+          <a:lstStyle/>
+          <a:p>
+            <a:pPr algn="ctr"/>
+            <a:endParaRPr lang="en-US" dirty="0">
+              <a:solidFill>
+                <a:schemeClr val="tx1">
+                  <a:lumMod val="65000"/>
+                  <a:lumOff val="35000"/>
+                </a:schemeClr>
+              </a:solidFill>
+              <a:latin typeface="AvenirNext LT Pro Medium" panose="020B0504020202020204" pitchFamily="34" charset="0"/>
+            </a:endParaRPr>
+          </a:p>
+        </p:txBody>
+      </p:sp>
+      <p:pic>
+        <p:nvPicPr>
+          <p:cNvPr id="4" name="Picture 3" descr="Graphique financier sur arrière-plan flou avec fuites de lumière">
+            <a:extLst>
+              <a:ext uri="{FF2B5EF4-FFF2-40B4-BE49-F238E27FC236}">
+                <a16:creationId xmlns:a16="http://schemas.microsoft.com/office/drawing/2014/main" id="{4E4E4B81-7926-4109-850C-54D0F498586E}"/>
+              </a:ext>
+            </a:extLst>
+          </p:cNvPr>
+          <p:cNvPicPr>
+            <a:picLocks noChangeAspect="1"/>
+          </p:cNvPicPr>
+          <p:nvPr/>
+        </p:nvPicPr>
+        <p:blipFill rotWithShape="1">
+          <a:blip r:embed="rId2">
+            <a:alphaModFix amt="60000"/>
+          </a:blip>
+          <a:srcRect t="14285" b="2706"/>
+          <a:stretch/>
+        </p:blipFill>
+        <p:spPr>
+          <a:xfrm>
+            <a:off x="-3048" y="1386"/>
+            <a:ext cx="12191980" cy="6856614"/>
+          </a:xfrm>
+          <a:prstGeom prst="rect">
+            <a:avLst/>
+          </a:prstGeom>
+        </p:spPr>
+      </p:pic>
+      <p:sp>
+        <p:nvSpPr>
+          <p:cNvPr id="2" name="ZoneTexte 1">
+            <a:extLst>
+              <a:ext uri="{FF2B5EF4-FFF2-40B4-BE49-F238E27FC236}">
+                <a16:creationId xmlns:a16="http://schemas.microsoft.com/office/drawing/2014/main" id="{E325EEB2-A8DE-45A0-980B-45603BF3FCC8}"/>
+              </a:ext>
+            </a:extLst>
+          </p:cNvPr>
+          <p:cNvSpPr txBox="1"/>
+          <p:nvPr/>
+        </p:nvSpPr>
+        <p:spPr>
+          <a:xfrm>
+            <a:off x="575035" y="452487"/>
+            <a:ext cx="10972800" cy="584775"/>
+          </a:xfrm>
+          <a:prstGeom prst="rect">
+            <a:avLst/>
+          </a:prstGeom>
+          <a:noFill/>
+        </p:spPr>
+        <p:txBody>
+          <a:bodyPr wrap="square" rtlCol="0">
+            <a:spAutoFit/>
+          </a:bodyPr>
+          <a:lstStyle/>
+          <a:p>
+            <a:pPr algn="ctr"/>
+            <a:r>
+              <a:rPr lang="fr-FR" sz="3200" b="1" dirty="0">
+                <a:solidFill>
+                  <a:schemeClr val="bg1"/>
+                </a:solidFill>
+              </a:rPr>
+              <a:t>Sources</a:t>
+            </a:r>
+          </a:p>
+        </p:txBody>
+      </p:sp>
+      <p:sp>
+        <p:nvSpPr>
+          <p:cNvPr id="3" name="ZoneTexte 2">
+            <a:extLst>
+              <a:ext uri="{FF2B5EF4-FFF2-40B4-BE49-F238E27FC236}">
+                <a16:creationId xmlns:a16="http://schemas.microsoft.com/office/drawing/2014/main" id="{76C53DD5-2D6C-4356-89BE-D358B8A249A4}"/>
+              </a:ext>
+            </a:extLst>
+          </p:cNvPr>
+          <p:cNvSpPr txBox="1"/>
+          <p:nvPr/>
+        </p:nvSpPr>
+        <p:spPr>
+          <a:xfrm>
+            <a:off x="1102936" y="1640264"/>
+            <a:ext cx="8814062" cy="1569660"/>
+          </a:xfrm>
+          <a:prstGeom prst="rect">
+            <a:avLst/>
+          </a:prstGeom>
+          <a:solidFill>
+            <a:schemeClr val="bg1">
+              <a:lumMod val="95000"/>
+            </a:schemeClr>
+          </a:solidFill>
+          <a:ln>
+            <a:noFill/>
+          </a:ln>
+          <a:effectLst>
+            <a:outerShdw blurRad="44450" dist="27940" dir="5400000" algn="ctr">
+              <a:srgbClr val="000000">
+                <a:alpha val="32000"/>
+              </a:srgbClr>
+            </a:outerShdw>
+            <a:softEdge rad="63500"/>
+          </a:effectLst>
+        </p:spPr>
+        <p:txBody>
+          <a:bodyPr wrap="square" rtlCol="0">
+            <a:spAutoFit/>
+          </a:bodyPr>
+          <a:lstStyle/>
+          <a:p>
+            <a:r>
+              <a:rPr lang="fr-FR" sz="2400" dirty="0">
+                <a:solidFill>
+                  <a:schemeClr val="bg1"/>
+                </a:solidFill>
+                <a:hlinkClick r:id="rId3"/>
+              </a:rPr>
+              <a:t>https://www.kaggle.com/gregorut/videogamesales</a:t>
+            </a:r>
+            <a:endParaRPr lang="fr-FR" sz="2400" dirty="0">
+              <a:solidFill>
+                <a:schemeClr val="bg1"/>
+              </a:solidFill>
+            </a:endParaRPr>
+          </a:p>
+          <a:p>
+            <a:endParaRPr lang="fr-FR" sz="2400" dirty="0">
+              <a:solidFill>
+                <a:schemeClr val="bg1"/>
+              </a:solidFill>
+            </a:endParaRPr>
+          </a:p>
+          <a:p>
+            <a:r>
+              <a:rPr lang="fr-FR" sz="2400" dirty="0">
+                <a:solidFill>
+                  <a:schemeClr val="bg1"/>
+                </a:solidFill>
+                <a:hlinkClick r:id="rId4"/>
+              </a:rPr>
+              <a:t>https://www.afjv.com/chiffres_jeux_video.php</a:t>
+            </a:r>
+            <a:endParaRPr lang="fr-FR" sz="2400" dirty="0">
+              <a:solidFill>
+                <a:schemeClr val="bg1"/>
+              </a:solidFill>
+            </a:endParaRPr>
+          </a:p>
+          <a:p>
+            <a:endParaRPr lang="fr-FR" sz="2400" dirty="0">
+              <a:solidFill>
+                <a:schemeClr val="bg1"/>
+              </a:solidFill>
+            </a:endParaRPr>
+          </a:p>
+        </p:txBody>
+      </p:sp>
+    </p:spTree>
+    <p:extLst>
+      <p:ext uri="{BB962C8B-B14F-4D97-AF65-F5344CB8AC3E}">
+        <p14:creationId xmlns:p14="http://schemas.microsoft.com/office/powerpoint/2010/main" val="2400076797"/>
+      </p:ext>
+    </p:extLst>
+  </p:cSld>
+  <p:clrMapOvr>
+    <a:masterClrMapping/>
+  </p:clrMapOvr>
+</p:sld>
+</file>
+
 <file path=ppt/slides/slide2.xml><?xml version="1.0" encoding="utf-8"?>
 <p:sld xmlns:a="http://schemas.openxmlformats.org/drawingml/2006/main" xmlns:r="http://schemas.openxmlformats.org/officeDocument/2006/relationships" xmlns:p="http://schemas.openxmlformats.org/presentationml/2006/main">
   <p:cSld>
@@ -6644,7 +6983,7 @@
                   <a:schemeClr val="bg1"/>
                 </a:solidFill>
               </a:rPr>
-              <a:t>Corrélation des ventes </a:t>
+              <a:t>Corrélation entre les données</a:t>
             </a:r>
           </a:p>
         </p:txBody>
